--- a/doc/task09/Softwarearchitektur.pptx
+++ b/doc/task09/Softwarearchitektur.pptx
@@ -7,12 +7,12 @@
   <p:sldIdLst>
     <p:sldId id="256" r:id="rId2"/>
     <p:sldId id="257" r:id="rId3"/>
-    <p:sldId id="258" r:id="rId4"/>
-    <p:sldId id="262" r:id="rId5"/>
-    <p:sldId id="264" r:id="rId6"/>
-    <p:sldId id="259" r:id="rId7"/>
-    <p:sldId id="263" r:id="rId8"/>
-    <p:sldId id="260" r:id="rId9"/>
+    <p:sldId id="259" r:id="rId4"/>
+    <p:sldId id="263" r:id="rId5"/>
+    <p:sldId id="260" r:id="rId6"/>
+    <p:sldId id="258" r:id="rId7"/>
+    <p:sldId id="262" r:id="rId8"/>
+    <p:sldId id="264" r:id="rId9"/>
     <p:sldId id="261" r:id="rId10"/>
   </p:sldIdLst>
   <p:sldSz cx="12192000" cy="6858000"/>
@@ -246,7 +246,7 @@
           <a:p>
             <a:fld id="{50577D00-0568-4CC9-8CEB-845F93FB100F}" type="datetimeFigureOut">
               <a:rPr lang="de-CH" smtClean="0"/>
-              <a:t>02.05.2015</a:t>
+              <a:t>05.05.2015</a:t>
             </a:fld>
             <a:endParaRPr lang="de-CH"/>
           </a:p>
@@ -416,7 +416,7 @@
           <a:p>
             <a:fld id="{50577D00-0568-4CC9-8CEB-845F93FB100F}" type="datetimeFigureOut">
               <a:rPr lang="de-CH" smtClean="0"/>
-              <a:t>02.05.2015</a:t>
+              <a:t>05.05.2015</a:t>
             </a:fld>
             <a:endParaRPr lang="de-CH"/>
           </a:p>
@@ -596,7 +596,7 @@
           <a:p>
             <a:fld id="{50577D00-0568-4CC9-8CEB-845F93FB100F}" type="datetimeFigureOut">
               <a:rPr lang="de-CH" smtClean="0"/>
-              <a:t>02.05.2015</a:t>
+              <a:t>05.05.2015</a:t>
             </a:fld>
             <a:endParaRPr lang="de-CH"/>
           </a:p>
@@ -766,7 +766,7 @@
           <a:p>
             <a:fld id="{50577D00-0568-4CC9-8CEB-845F93FB100F}" type="datetimeFigureOut">
               <a:rPr lang="de-CH" smtClean="0"/>
-              <a:t>02.05.2015</a:t>
+              <a:t>05.05.2015</a:t>
             </a:fld>
             <a:endParaRPr lang="de-CH"/>
           </a:p>
@@ -1012,7 +1012,7 @@
           <a:p>
             <a:fld id="{50577D00-0568-4CC9-8CEB-845F93FB100F}" type="datetimeFigureOut">
               <a:rPr lang="de-CH" smtClean="0"/>
-              <a:t>02.05.2015</a:t>
+              <a:t>05.05.2015</a:t>
             </a:fld>
             <a:endParaRPr lang="de-CH"/>
           </a:p>
@@ -1244,7 +1244,7 @@
           <a:p>
             <a:fld id="{50577D00-0568-4CC9-8CEB-845F93FB100F}" type="datetimeFigureOut">
               <a:rPr lang="de-CH" smtClean="0"/>
-              <a:t>02.05.2015</a:t>
+              <a:t>05.05.2015</a:t>
             </a:fld>
             <a:endParaRPr lang="de-CH"/>
           </a:p>
@@ -1611,7 +1611,7 @@
           <a:p>
             <a:fld id="{50577D00-0568-4CC9-8CEB-845F93FB100F}" type="datetimeFigureOut">
               <a:rPr lang="de-CH" smtClean="0"/>
-              <a:t>02.05.2015</a:t>
+              <a:t>05.05.2015</a:t>
             </a:fld>
             <a:endParaRPr lang="de-CH"/>
           </a:p>
@@ -1729,7 +1729,7 @@
           <a:p>
             <a:fld id="{50577D00-0568-4CC9-8CEB-845F93FB100F}" type="datetimeFigureOut">
               <a:rPr lang="de-CH" smtClean="0"/>
-              <a:t>02.05.2015</a:t>
+              <a:t>05.05.2015</a:t>
             </a:fld>
             <a:endParaRPr lang="de-CH"/>
           </a:p>
@@ -1824,7 +1824,7 @@
           <a:p>
             <a:fld id="{50577D00-0568-4CC9-8CEB-845F93FB100F}" type="datetimeFigureOut">
               <a:rPr lang="de-CH" smtClean="0"/>
-              <a:t>02.05.2015</a:t>
+              <a:t>05.05.2015</a:t>
             </a:fld>
             <a:endParaRPr lang="de-CH"/>
           </a:p>
@@ -2101,7 +2101,7 @@
           <a:p>
             <a:fld id="{50577D00-0568-4CC9-8CEB-845F93FB100F}" type="datetimeFigureOut">
               <a:rPr lang="de-CH" smtClean="0"/>
-              <a:t>02.05.2015</a:t>
+              <a:t>05.05.2015</a:t>
             </a:fld>
             <a:endParaRPr lang="de-CH"/>
           </a:p>
@@ -2354,7 +2354,7 @@
           <a:p>
             <a:fld id="{50577D00-0568-4CC9-8CEB-845F93FB100F}" type="datetimeFigureOut">
               <a:rPr lang="de-CH" smtClean="0"/>
-              <a:t>02.05.2015</a:t>
+              <a:t>05.05.2015</a:t>
             </a:fld>
             <a:endParaRPr lang="de-CH"/>
           </a:p>
@@ -2567,7 +2567,7 @@
           <a:p>
             <a:fld id="{50577D00-0568-4CC9-8CEB-845F93FB100F}" type="datetimeFigureOut">
               <a:rPr lang="de-CH" smtClean="0"/>
-              <a:t>02.05.2015</a:t>
+              <a:t>05.05.2015</a:t>
             </a:fld>
             <a:endParaRPr lang="de-CH"/>
           </a:p>
@@ -3262,7 +3262,7 @@
             </a:pPr>
             <a:r>
               <a:rPr lang="de-CH" sz="3600" dirty="0" smtClean="0"/>
-              <a:t>Datenpersistenz</a:t>
+              <a:t>MVP</a:t>
             </a:r>
             <a:endParaRPr lang="de-CH" sz="3600" dirty="0"/>
           </a:p>
@@ -3276,9 +3276,8 @@
             </a:pPr>
             <a:r>
               <a:rPr lang="de-CH" sz="3600" dirty="0" smtClean="0"/>
-              <a:t>MVP</a:t>
-            </a:r>
-            <a:endParaRPr lang="de-CH" sz="3600" dirty="0"/>
+              <a:t>Architektur</a:t>
+            </a:r>
           </a:p>
           <a:p>
             <a:pPr marL="285750" indent="-285750">
@@ -3290,8 +3289,9 @@
             </a:pPr>
             <a:r>
               <a:rPr lang="de-CH" sz="3600" dirty="0" smtClean="0"/>
-              <a:t>Architektur</a:t>
-            </a:r>
+              <a:t>Datenpersistenz</a:t>
+            </a:r>
+            <a:endParaRPr lang="de-CH" sz="3600" dirty="0" smtClean="0"/>
           </a:p>
           <a:p>
             <a:pPr marL="285750" indent="-285750">
@@ -3421,7 +3421,7 @@
                   <a:schemeClr val="bg1"/>
                 </a:solidFill>
               </a:rPr>
-              <a:t>Datenpersistenz</a:t>
+              <a:t>MVP – Pattern </a:t>
             </a:r>
             <a:endParaRPr lang="de-CH" sz="7200" b="1" dirty="0">
               <a:solidFill>
@@ -3433,43 +3433,60 @@
       </p:sp>
       <p:pic>
         <p:nvPicPr>
-          <p:cNvPr id="3" name="Grafik 2"/>
+          <p:cNvPr id="5122" name="Picture 2" descr="http://upload.wikimedia.org/wikipedia/commons/thumb/7/76/Model_View_Presenter.png/300px-Model_View_Presenter.png"/>
           <p:cNvPicPr>
-            <a:picLocks noChangeAspect="1"/>
+            <a:picLocks noChangeAspect="1" noChangeArrowheads="1"/>
           </p:cNvPicPr>
           <p:nvPr/>
         </p:nvPicPr>
         <p:blipFill>
-          <a:blip r:embed="rId2"/>
+          <a:blip r:embed="rId2">
+            <a:extLst>
+              <a:ext uri="{28A0092B-C50C-407E-A947-70E740481C1C}">
+                <a14:useLocalDpi xmlns:a14="http://schemas.microsoft.com/office/drawing/2010/main" val="0"/>
+              </a:ext>
+            </a:extLst>
+          </a:blip>
+          <a:srcRect/>
           <a:stretch>
             <a:fillRect/>
           </a:stretch>
         </p:blipFill>
-        <p:spPr>
-          <a:xfrm>
-            <a:off x="1332835" y="2637555"/>
-            <a:ext cx="9526329" cy="2715004"/>
-          </a:xfrm>
-          <a:prstGeom prst="rect">
-            <a:avLst/>
-          </a:prstGeom>
-        </p:spPr>
-      </p:pic>
-      <p:sp>
-        <p:nvSpPr>
-          <p:cNvPr id="7" name="Textfeld 6"/>
-          <p:cNvSpPr txBox="1"/>
-          <p:nvPr/>
-        </p:nvSpPr>
-        <p:spPr>
-          <a:xfrm>
-            <a:off x="145142" y="6361117"/>
-            <a:ext cx="9124742" cy="369332"/>
+        <p:spPr bwMode="auto">
+          <a:xfrm>
+            <a:off x="3719739" y="2075530"/>
+            <a:ext cx="4752521" cy="3691126"/>
           </a:xfrm>
           <a:prstGeom prst="rect">
             <a:avLst/>
           </a:prstGeom>
           <a:noFill/>
+          <a:extLst>
+            <a:ext uri="{909E8E84-426E-40DD-AFC4-6F175D3DCCD1}">
+              <a14:hiddenFill xmlns:a14="http://schemas.microsoft.com/office/drawing/2010/main">
+                <a:solidFill>
+                  <a:srgbClr val="FFFFFF"/>
+                </a:solidFill>
+              </a14:hiddenFill>
+            </a:ext>
+          </a:extLst>
+        </p:spPr>
+      </p:pic>
+      <p:sp>
+        <p:nvSpPr>
+          <p:cNvPr id="5" name="Textfeld 4"/>
+          <p:cNvSpPr txBox="1"/>
+          <p:nvPr/>
+        </p:nvSpPr>
+        <p:spPr>
+          <a:xfrm>
+            <a:off x="145142" y="6361117"/>
+            <a:ext cx="9860584" cy="369332"/>
+          </a:xfrm>
+          <a:prstGeom prst="rect">
+            <a:avLst/>
+          </a:prstGeom>
+          <a:noFill/>
         </p:spPr>
         <p:txBody>
           <a:bodyPr wrap="none" rtlCol="0">
@@ -3479,7 +3496,7 @@
           <a:p>
             <a:r>
               <a:rPr lang="de-CH" i="1" dirty="0" smtClean="0"/>
-              <a:t>Bildquelle: http://www.mongodb.com/sites/mongodb.com/files/media/mongodb-logo-rgb.jpeg</a:t>
+              <a:t>Bildquelle: http://upload.wikimedia.org/wikipedia/commons/thumb/7/76/Model_View_Presenter.png</a:t>
             </a:r>
             <a:endParaRPr lang="de-CH" i="1" dirty="0"/>
           </a:p>
@@ -3488,7 +3505,7 @@
     </p:spTree>
     <p:extLst>
       <p:ext uri="{BB962C8B-B14F-4D97-AF65-F5344CB8AC3E}">
-        <p14:creationId xmlns:p14="http://schemas.microsoft.com/office/powerpoint/2010/main" val="2703701593"/>
+        <p14:creationId xmlns:p14="http://schemas.microsoft.com/office/powerpoint/2010/main" val="3735815208"/>
       </p:ext>
     </p:extLst>
   </p:cSld>
@@ -3537,7 +3554,7 @@
             <a:avLst/>
           </a:prstGeom>
           <a:solidFill>
-            <a:srgbClr val="D10505"/>
+            <a:srgbClr val="49C2F1"/>
           </a:solidFill>
           <a:ln>
             <a:noFill/>
@@ -3581,23 +3598,31 @@
         <p:spPr>
           <a:xfrm>
             <a:off x="145142" y="117668"/>
-            <a:ext cx="9144000" cy="1245734"/>
+            <a:ext cx="10522858" cy="1245734"/>
           </a:xfrm>
         </p:spPr>
         <p:txBody>
           <a:bodyPr>
-            <a:normAutofit/>
+            <a:noAutofit/>
           </a:bodyPr>
           <a:lstStyle/>
           <a:p>
             <a:pPr algn="l"/>
+            <a:r>
+              <a:rPr lang="de-CH" sz="7200" b="1" dirty="0" smtClean="0">
+                <a:solidFill>
+                  <a:schemeClr val="bg1"/>
+                </a:solidFill>
+              </a:rPr>
+              <a:t>MVP – Pattern mit </a:t>
+            </a:r>
             <a:r>
               <a:rPr lang="de-CH" sz="7200" b="1" dirty="0" err="1" smtClean="0">
                 <a:solidFill>
                   <a:schemeClr val="bg1"/>
                 </a:solidFill>
               </a:rPr>
-              <a:t>mongoDB</a:t>
+              <a:t>Vaadin</a:t>
             </a:r>
             <a:endParaRPr lang="de-CH" sz="7200" b="1" dirty="0">
               <a:solidFill>
@@ -3607,21 +3632,62 @@
           </a:p>
         </p:txBody>
       </p:sp>
-      <p:sp>
-        <p:nvSpPr>
-          <p:cNvPr id="5" name="Textfeld 4"/>
-          <p:cNvSpPr txBox="1"/>
+      <p:pic>
+        <p:nvPicPr>
+          <p:cNvPr id="2050" name="Picture 2" descr="https://vaadin.com/image/image_gallery?uuid=7f80fbd3-5ffe-402b-8663-1ae4953dc1c9&amp;groupId=15809&amp;t=1357818314255"/>
+          <p:cNvPicPr>
+            <a:picLocks noChangeAspect="1" noChangeArrowheads="1"/>
+          </p:cNvPicPr>
           <p:nvPr/>
-        </p:nvSpPr>
-        <p:spPr>
-          <a:xfrm>
-            <a:off x="551542" y="1932567"/>
-            <a:ext cx="3314049" cy="4247317"/>
+        </p:nvPicPr>
+        <p:blipFill>
+          <a:blip r:embed="rId2">
+            <a:extLst>
+              <a:ext uri="{28A0092B-C50C-407E-A947-70E740481C1C}">
+                <a14:useLocalDpi xmlns:a14="http://schemas.microsoft.com/office/drawing/2010/main" val="0"/>
+              </a:ext>
+            </a:extLst>
+          </a:blip>
+          <a:srcRect/>
+          <a:stretch>
+            <a:fillRect/>
+          </a:stretch>
+        </p:blipFill>
+        <p:spPr bwMode="auto">
+          <a:xfrm>
+            <a:off x="3068896" y="1944913"/>
+            <a:ext cx="5497708" cy="4137025"/>
           </a:xfrm>
           <a:prstGeom prst="rect">
             <a:avLst/>
           </a:prstGeom>
           <a:noFill/>
+          <a:extLst>
+            <a:ext uri="{909E8E84-426E-40DD-AFC4-6F175D3DCCD1}">
+              <a14:hiddenFill xmlns:a14="http://schemas.microsoft.com/office/drawing/2010/main">
+                <a:solidFill>
+                  <a:srgbClr val="FFFFFF"/>
+                </a:solidFill>
+              </a14:hiddenFill>
+            </a:ext>
+          </a:extLst>
+        </p:spPr>
+      </p:pic>
+      <p:sp>
+        <p:nvSpPr>
+          <p:cNvPr id="3" name="Textfeld 2"/>
+          <p:cNvSpPr txBox="1"/>
+          <p:nvPr/>
+        </p:nvSpPr>
+        <p:spPr>
+          <a:xfrm>
+            <a:off x="145142" y="6361117"/>
+            <a:ext cx="9565119" cy="369332"/>
+          </a:xfrm>
+          <a:prstGeom prst="rect">
+            <a:avLst/>
+          </a:prstGeom>
+          <a:noFill/>
         </p:spPr>
         <p:txBody>
           <a:bodyPr wrap="none" rtlCol="0">
@@ -3629,79 +3695,18 @@
           </a:bodyPr>
           <a:lstStyle/>
           <a:p>
-            <a:pPr marL="285750" indent="-285750">
-              <a:lnSpc>
-                <a:spcPct val="150000"/>
-              </a:lnSpc>
-              <a:buFont typeface="Arial" panose="020B0604020202020204" pitchFamily="34" charset="0"/>
-              <a:buChar char="•"/>
-            </a:pPr>
-            <a:r>
-              <a:rPr lang="de-CH" sz="3600" dirty="0" err="1" smtClean="0"/>
-              <a:t>OpenSource</a:t>
-            </a:r>
-            <a:endParaRPr lang="de-CH" sz="3600" dirty="0"/>
-          </a:p>
-          <a:p>
-            <a:pPr marL="285750" indent="-285750">
-              <a:lnSpc>
-                <a:spcPct val="150000"/>
-              </a:lnSpc>
-              <a:buFont typeface="Arial" panose="020B0604020202020204" pitchFamily="34" charset="0"/>
-              <a:buChar char="•"/>
-            </a:pPr>
-            <a:r>
-              <a:rPr lang="de-CH" sz="3600" dirty="0" err="1" smtClean="0"/>
-              <a:t>NoSQL</a:t>
-            </a:r>
-            <a:endParaRPr lang="de-CH" sz="3600" dirty="0"/>
-          </a:p>
-          <a:p>
-            <a:pPr marL="285750" indent="-285750">
-              <a:lnSpc>
-                <a:spcPct val="150000"/>
-              </a:lnSpc>
-              <a:buFont typeface="Arial" panose="020B0604020202020204" pitchFamily="34" charset="0"/>
-              <a:buChar char="•"/>
-            </a:pPr>
-            <a:r>
-              <a:rPr lang="de-CH" sz="3600" dirty="0" smtClean="0"/>
-              <a:t>Weit verbreitet</a:t>
-            </a:r>
-          </a:p>
-          <a:p>
-            <a:pPr marL="285750" indent="-285750">
-              <a:lnSpc>
-                <a:spcPct val="150000"/>
-              </a:lnSpc>
-              <a:buFont typeface="Arial" panose="020B0604020202020204" pitchFamily="34" charset="0"/>
-              <a:buChar char="•"/>
-            </a:pPr>
-            <a:r>
-              <a:rPr lang="de-CH" sz="3600" dirty="0" smtClean="0"/>
-              <a:t>Lokal</a:t>
-            </a:r>
-          </a:p>
-          <a:p>
-            <a:pPr marL="285750" indent="-285750">
-              <a:lnSpc>
-                <a:spcPct val="150000"/>
-              </a:lnSpc>
-              <a:buFont typeface="Arial" panose="020B0604020202020204" pitchFamily="34" charset="0"/>
-              <a:buChar char="•"/>
-            </a:pPr>
-            <a:r>
-              <a:rPr lang="de-CH" sz="3600" dirty="0" smtClean="0"/>
-              <a:t>JSON</a:t>
-            </a:r>
-            <a:endParaRPr lang="de-CH" sz="3600" dirty="0"/>
+            <a:r>
+              <a:rPr lang="de-CH" i="1" dirty="0" smtClean="0"/>
+              <a:t>Bildquelle: https://vaadin.com/web/magi/home/-/blogs/model-view-presenter-pattern-with-vaadin</a:t>
+            </a:r>
+            <a:endParaRPr lang="de-CH" i="1" dirty="0"/>
           </a:p>
         </p:txBody>
       </p:sp>
     </p:spTree>
     <p:extLst>
       <p:ext uri="{BB962C8B-B14F-4D97-AF65-F5344CB8AC3E}">
-        <p14:creationId xmlns:p14="http://schemas.microsoft.com/office/powerpoint/2010/main" val="982192119"/>
+        <p14:creationId xmlns:p14="http://schemas.microsoft.com/office/powerpoint/2010/main" val="1021523762"/>
       </p:ext>
     </p:extLst>
   </p:cSld>
@@ -3805,20 +3810,12 @@
           <a:p>
             <a:pPr algn="l"/>
             <a:r>
-              <a:rPr lang="de-CH" sz="7200" b="1" dirty="0" err="1" smtClean="0">
-                <a:solidFill>
-                  <a:schemeClr val="bg1"/>
-                </a:solidFill>
-              </a:rPr>
-              <a:t>mongoDB</a:t>
-            </a:r>
-            <a:r>
               <a:rPr lang="de-CH" sz="7200" b="1" dirty="0" smtClean="0">
                 <a:solidFill>
                   <a:schemeClr val="bg1"/>
                 </a:solidFill>
               </a:rPr>
-              <a:t> – ein Beispiel</a:t>
+              <a:t>Architekturdiagramm</a:t>
             </a:r>
             <a:endParaRPr lang="de-CH" sz="7200" b="1" dirty="0">
               <a:solidFill>
@@ -3828,40 +3825,10 @@
           </a:p>
         </p:txBody>
       </p:sp>
-      <p:sp>
-        <p:nvSpPr>
-          <p:cNvPr id="7" name="Textfeld 6"/>
-          <p:cNvSpPr txBox="1"/>
-          <p:nvPr/>
-        </p:nvSpPr>
-        <p:spPr>
-          <a:xfrm>
-            <a:off x="471621" y="2032001"/>
-            <a:ext cx="237566" cy="369332"/>
-          </a:xfrm>
-          <a:prstGeom prst="rect">
-            <a:avLst/>
-          </a:prstGeom>
-          <a:noFill/>
-        </p:spPr>
-        <p:txBody>
-          <a:bodyPr wrap="none" rtlCol="0">
-            <a:spAutoFit/>
-          </a:bodyPr>
-          <a:lstStyle/>
-          <a:p>
-            <a:r>
-              <a:rPr lang="de-CH" dirty="0" smtClean="0"/>
-              <a:t> </a:t>
-            </a:r>
-            <a:endParaRPr lang="de-CH" dirty="0"/>
-          </a:p>
-        </p:txBody>
-      </p:sp>
     </p:spTree>
     <p:extLst>
       <p:ext uri="{BB962C8B-B14F-4D97-AF65-F5344CB8AC3E}">
-        <p14:creationId xmlns:p14="http://schemas.microsoft.com/office/powerpoint/2010/main" val="3738221479"/>
+        <p14:creationId xmlns:p14="http://schemas.microsoft.com/office/powerpoint/2010/main" val="2092509293"/>
       </p:ext>
     </p:extLst>
   </p:cSld>
@@ -3970,7 +3937,7 @@
                   <a:schemeClr val="bg1"/>
                 </a:solidFill>
               </a:rPr>
-              <a:t>MVP – Pattern </a:t>
+              <a:t>Datenpersistenz</a:t>
             </a:r>
             <a:endParaRPr lang="de-CH" sz="7200" b="1" dirty="0">
               <a:solidFill>
@@ -3982,60 +3949,43 @@
       </p:sp>
       <p:pic>
         <p:nvPicPr>
-          <p:cNvPr id="5122" name="Picture 2" descr="http://upload.wikimedia.org/wikipedia/commons/thumb/7/76/Model_View_Presenter.png/300px-Model_View_Presenter.png"/>
+          <p:cNvPr id="3" name="Grafik 2"/>
           <p:cNvPicPr>
-            <a:picLocks noChangeAspect="1" noChangeArrowheads="1"/>
+            <a:picLocks noChangeAspect="1"/>
           </p:cNvPicPr>
           <p:nvPr/>
         </p:nvPicPr>
         <p:blipFill>
-          <a:blip r:embed="rId2">
-            <a:extLst>
-              <a:ext uri="{28A0092B-C50C-407E-A947-70E740481C1C}">
-                <a14:useLocalDpi xmlns:a14="http://schemas.microsoft.com/office/drawing/2010/main" val="0"/>
-              </a:ext>
-            </a:extLst>
-          </a:blip>
-          <a:srcRect/>
+          <a:blip r:embed="rId2"/>
           <a:stretch>
             <a:fillRect/>
           </a:stretch>
         </p:blipFill>
-        <p:spPr bwMode="auto">
-          <a:xfrm>
-            <a:off x="3719739" y="2075530"/>
-            <a:ext cx="4752521" cy="3691126"/>
+        <p:spPr>
+          <a:xfrm>
+            <a:off x="1332835" y="2637555"/>
+            <a:ext cx="9526329" cy="2715004"/>
+          </a:xfrm>
+          <a:prstGeom prst="rect">
+            <a:avLst/>
+          </a:prstGeom>
+        </p:spPr>
+      </p:pic>
+      <p:sp>
+        <p:nvSpPr>
+          <p:cNvPr id="7" name="Textfeld 6"/>
+          <p:cNvSpPr txBox="1"/>
+          <p:nvPr/>
+        </p:nvSpPr>
+        <p:spPr>
+          <a:xfrm>
+            <a:off x="145142" y="6361117"/>
+            <a:ext cx="9124742" cy="369332"/>
           </a:xfrm>
           <a:prstGeom prst="rect">
             <a:avLst/>
           </a:prstGeom>
           <a:noFill/>
-          <a:extLst>
-            <a:ext uri="{909E8E84-426E-40DD-AFC4-6F175D3DCCD1}">
-              <a14:hiddenFill xmlns:a14="http://schemas.microsoft.com/office/drawing/2010/main">
-                <a:solidFill>
-                  <a:srgbClr val="FFFFFF"/>
-                </a:solidFill>
-              </a14:hiddenFill>
-            </a:ext>
-          </a:extLst>
-        </p:spPr>
-      </p:pic>
-      <p:sp>
-        <p:nvSpPr>
-          <p:cNvPr id="5" name="Textfeld 4"/>
-          <p:cNvSpPr txBox="1"/>
-          <p:nvPr/>
-        </p:nvSpPr>
-        <p:spPr>
-          <a:xfrm>
-            <a:off x="145142" y="6361117"/>
-            <a:ext cx="9860584" cy="369332"/>
-          </a:xfrm>
-          <a:prstGeom prst="rect">
-            <a:avLst/>
-          </a:prstGeom>
-          <a:noFill/>
         </p:spPr>
         <p:txBody>
           <a:bodyPr wrap="none" rtlCol="0">
@@ -4045,7 +3995,7 @@
           <a:p>
             <a:r>
               <a:rPr lang="de-CH" i="1" dirty="0" smtClean="0"/>
-              <a:t>Bildquelle: http://upload.wikimedia.org/wikipedia/commons/thumb/7/76/Model_View_Presenter.png</a:t>
+              <a:t>Bildquelle: http://www.mongodb.com/sites/mongodb.com/files/media/mongodb-logo-rgb.jpeg</a:t>
             </a:r>
             <a:endParaRPr lang="de-CH" i="1" dirty="0"/>
           </a:p>
@@ -4054,7 +4004,7 @@
     </p:spTree>
     <p:extLst>
       <p:ext uri="{BB962C8B-B14F-4D97-AF65-F5344CB8AC3E}">
-        <p14:creationId xmlns:p14="http://schemas.microsoft.com/office/powerpoint/2010/main" val="3735815208"/>
+        <p14:creationId xmlns:p14="http://schemas.microsoft.com/office/powerpoint/2010/main" val="2703701593"/>
       </p:ext>
     </p:extLst>
   </p:cSld>
@@ -4103,7 +4053,7 @@
             <a:avLst/>
           </a:prstGeom>
           <a:solidFill>
-            <a:srgbClr val="49C2F1"/>
+            <a:srgbClr val="D10505"/>
           </a:solidFill>
           <a:ln>
             <a:noFill/>
@@ -4147,31 +4097,23 @@
         <p:spPr>
           <a:xfrm>
             <a:off x="145142" y="117668"/>
-            <a:ext cx="10522858" cy="1245734"/>
+            <a:ext cx="9144000" cy="1245734"/>
           </a:xfrm>
         </p:spPr>
         <p:txBody>
           <a:bodyPr>
-            <a:noAutofit/>
+            <a:normAutofit/>
           </a:bodyPr>
           <a:lstStyle/>
           <a:p>
             <a:pPr algn="l"/>
-            <a:r>
-              <a:rPr lang="de-CH" sz="7200" b="1" dirty="0" smtClean="0">
-                <a:solidFill>
-                  <a:schemeClr val="bg1"/>
-                </a:solidFill>
-              </a:rPr>
-              <a:t>MVP – Pattern mit </a:t>
-            </a:r>
             <a:r>
               <a:rPr lang="de-CH" sz="7200" b="1" dirty="0" err="1" smtClean="0">
                 <a:solidFill>
                   <a:schemeClr val="bg1"/>
                 </a:solidFill>
               </a:rPr>
-              <a:t>Vaadin</a:t>
+              <a:t>mongoDB</a:t>
             </a:r>
             <a:endParaRPr lang="de-CH" sz="7200" b="1" dirty="0">
               <a:solidFill>
@@ -4181,62 +4123,21 @@
           </a:p>
         </p:txBody>
       </p:sp>
-      <p:pic>
-        <p:nvPicPr>
-          <p:cNvPr id="2050" name="Picture 2" descr="https://vaadin.com/image/image_gallery?uuid=7f80fbd3-5ffe-402b-8663-1ae4953dc1c9&amp;groupId=15809&amp;t=1357818314255"/>
-          <p:cNvPicPr>
-            <a:picLocks noChangeAspect="1" noChangeArrowheads="1"/>
-          </p:cNvPicPr>
+      <p:sp>
+        <p:nvSpPr>
+          <p:cNvPr id="5" name="Textfeld 4"/>
+          <p:cNvSpPr txBox="1"/>
           <p:nvPr/>
-        </p:nvPicPr>
-        <p:blipFill>
-          <a:blip r:embed="rId2">
-            <a:extLst>
-              <a:ext uri="{28A0092B-C50C-407E-A947-70E740481C1C}">
-                <a14:useLocalDpi xmlns:a14="http://schemas.microsoft.com/office/drawing/2010/main" val="0"/>
-              </a:ext>
-            </a:extLst>
-          </a:blip>
-          <a:srcRect/>
-          <a:stretch>
-            <a:fillRect/>
-          </a:stretch>
-        </p:blipFill>
-        <p:spPr bwMode="auto">
-          <a:xfrm>
-            <a:off x="3068896" y="1944914"/>
-            <a:ext cx="5497708" cy="4137025"/>
+        </p:nvSpPr>
+        <p:spPr>
+          <a:xfrm>
+            <a:off x="551542" y="1932567"/>
+            <a:ext cx="3314049" cy="4247317"/>
           </a:xfrm>
           <a:prstGeom prst="rect">
             <a:avLst/>
           </a:prstGeom>
           <a:noFill/>
-          <a:extLst>
-            <a:ext uri="{909E8E84-426E-40DD-AFC4-6F175D3DCCD1}">
-              <a14:hiddenFill xmlns:a14="http://schemas.microsoft.com/office/drawing/2010/main">
-                <a:solidFill>
-                  <a:srgbClr val="FFFFFF"/>
-                </a:solidFill>
-              </a14:hiddenFill>
-            </a:ext>
-          </a:extLst>
-        </p:spPr>
-      </p:pic>
-      <p:sp>
-        <p:nvSpPr>
-          <p:cNvPr id="3" name="Textfeld 2"/>
-          <p:cNvSpPr txBox="1"/>
-          <p:nvPr/>
-        </p:nvSpPr>
-        <p:spPr>
-          <a:xfrm>
-            <a:off x="145142" y="6361117"/>
-            <a:ext cx="9565119" cy="369332"/>
-          </a:xfrm>
-          <a:prstGeom prst="rect">
-            <a:avLst/>
-          </a:prstGeom>
-          <a:noFill/>
         </p:spPr>
         <p:txBody>
           <a:bodyPr wrap="none" rtlCol="0">
@@ -4244,18 +4145,79 @@
           </a:bodyPr>
           <a:lstStyle/>
           <a:p>
-            <a:r>
-              <a:rPr lang="de-CH" i="1" dirty="0" smtClean="0"/>
-              <a:t>Bildquelle: https://vaadin.com/web/magi/home/-/blogs/model-view-presenter-pattern-with-vaadin</a:t>
-            </a:r>
-            <a:endParaRPr lang="de-CH" i="1" dirty="0"/>
+            <a:pPr marL="285750" indent="-285750">
+              <a:lnSpc>
+                <a:spcPct val="150000"/>
+              </a:lnSpc>
+              <a:buFont typeface="Arial" panose="020B0604020202020204" pitchFamily="34" charset="0"/>
+              <a:buChar char="•"/>
+            </a:pPr>
+            <a:r>
+              <a:rPr lang="de-CH" sz="3600" dirty="0" err="1" smtClean="0"/>
+              <a:t>OpenSource</a:t>
+            </a:r>
+            <a:endParaRPr lang="de-CH" sz="3600" dirty="0"/>
+          </a:p>
+          <a:p>
+            <a:pPr marL="285750" indent="-285750">
+              <a:lnSpc>
+                <a:spcPct val="150000"/>
+              </a:lnSpc>
+              <a:buFont typeface="Arial" panose="020B0604020202020204" pitchFamily="34" charset="0"/>
+              <a:buChar char="•"/>
+            </a:pPr>
+            <a:r>
+              <a:rPr lang="de-CH" sz="3600" dirty="0" err="1" smtClean="0"/>
+              <a:t>NoSQL</a:t>
+            </a:r>
+            <a:endParaRPr lang="de-CH" sz="3600" dirty="0"/>
+          </a:p>
+          <a:p>
+            <a:pPr marL="285750" indent="-285750">
+              <a:lnSpc>
+                <a:spcPct val="150000"/>
+              </a:lnSpc>
+              <a:buFont typeface="Arial" panose="020B0604020202020204" pitchFamily="34" charset="0"/>
+              <a:buChar char="•"/>
+            </a:pPr>
+            <a:r>
+              <a:rPr lang="de-CH" sz="3600" dirty="0" smtClean="0"/>
+              <a:t>Weit verbreitet</a:t>
+            </a:r>
+          </a:p>
+          <a:p>
+            <a:pPr marL="285750" indent="-285750">
+              <a:lnSpc>
+                <a:spcPct val="150000"/>
+              </a:lnSpc>
+              <a:buFont typeface="Arial" panose="020B0604020202020204" pitchFamily="34" charset="0"/>
+              <a:buChar char="•"/>
+            </a:pPr>
+            <a:r>
+              <a:rPr lang="de-CH" sz="3600" dirty="0" smtClean="0"/>
+              <a:t>Lokal</a:t>
+            </a:r>
+          </a:p>
+          <a:p>
+            <a:pPr marL="285750" indent="-285750">
+              <a:lnSpc>
+                <a:spcPct val="150000"/>
+              </a:lnSpc>
+              <a:buFont typeface="Arial" panose="020B0604020202020204" pitchFamily="34" charset="0"/>
+              <a:buChar char="•"/>
+            </a:pPr>
+            <a:r>
+              <a:rPr lang="de-CH" sz="3600" dirty="0" smtClean="0"/>
+              <a:t>JSON</a:t>
+            </a:r>
+            <a:endParaRPr lang="de-CH" sz="3600" dirty="0"/>
           </a:p>
         </p:txBody>
       </p:sp>
     </p:spTree>
     <p:extLst>
       <p:ext uri="{BB962C8B-B14F-4D97-AF65-F5344CB8AC3E}">
-        <p14:creationId xmlns:p14="http://schemas.microsoft.com/office/powerpoint/2010/main" val="1021523762"/>
+        <p14:creationId xmlns:p14="http://schemas.microsoft.com/office/powerpoint/2010/main" val="982192119"/>
       </p:ext>
     </p:extLst>
   </p:cSld>
@@ -4358,14 +4320,6 @@
           <a:lstStyle/>
           <a:p>
             <a:pPr algn="l"/>
-            <a:r>
-              <a:rPr lang="de-CH" sz="7200" b="1" dirty="0" smtClean="0">
-                <a:solidFill>
-                  <a:schemeClr val="bg1"/>
-                </a:solidFill>
-              </a:rPr>
-              <a:t>Architekturdiagramm</a:t>
-            </a:r>
             <a:endParaRPr lang="de-CH" sz="7200" b="1" dirty="0">
               <a:solidFill>
                 <a:schemeClr val="bg1"/>
@@ -4374,10 +4328,81 @@
           </a:p>
         </p:txBody>
       </p:sp>
+      <p:sp>
+        <p:nvSpPr>
+          <p:cNvPr id="7" name="Textfeld 6"/>
+          <p:cNvSpPr txBox="1"/>
+          <p:nvPr/>
+        </p:nvSpPr>
+        <p:spPr>
+          <a:xfrm>
+            <a:off x="471621" y="2032001"/>
+            <a:ext cx="237566" cy="369332"/>
+          </a:xfrm>
+          <a:prstGeom prst="rect">
+            <a:avLst/>
+          </a:prstGeom>
+          <a:noFill/>
+        </p:spPr>
+        <p:txBody>
+          <a:bodyPr wrap="none" rtlCol="0">
+            <a:spAutoFit/>
+          </a:bodyPr>
+          <a:lstStyle/>
+          <a:p>
+            <a:r>
+              <a:rPr lang="de-CH" dirty="0" smtClean="0"/>
+              <a:t> </a:t>
+            </a:r>
+            <a:endParaRPr lang="de-CH" dirty="0"/>
+          </a:p>
+        </p:txBody>
+      </p:sp>
+      <p:pic>
+        <p:nvPicPr>
+          <p:cNvPr id="1026" name="Picture 2" descr="C:\Users\James\workspaceLuna\PatientApp\doc\task09\soft-schema2.png"/>
+          <p:cNvPicPr>
+            <a:picLocks noChangeAspect="1" noChangeArrowheads="1"/>
+          </p:cNvPicPr>
+          <p:nvPr/>
+        </p:nvPicPr>
+        <p:blipFill>
+          <a:blip r:embed="rId2">
+            <a:extLst>
+              <a:ext uri="{28A0092B-C50C-407E-A947-70E740481C1C}">
+                <a14:useLocalDpi xmlns:a14="http://schemas.microsoft.com/office/drawing/2010/main" val="0"/>
+              </a:ext>
+            </a:extLst>
+          </a:blip>
+          <a:srcRect/>
+          <a:stretch>
+            <a:fillRect/>
+          </a:stretch>
+        </p:blipFill>
+        <p:spPr bwMode="auto">
+          <a:xfrm>
+            <a:off x="1381910" y="-43528"/>
+            <a:ext cx="9428180" cy="6977728"/>
+          </a:xfrm>
+          <a:prstGeom prst="rect">
+            <a:avLst/>
+          </a:prstGeom>
+          <a:noFill/>
+          <a:extLst>
+            <a:ext uri="{909E8E84-426E-40DD-AFC4-6F175D3DCCD1}">
+              <a14:hiddenFill xmlns:a14="http://schemas.microsoft.com/office/drawing/2010/main">
+                <a:solidFill>
+                  <a:srgbClr val="FFFFFF"/>
+                </a:solidFill>
+              </a14:hiddenFill>
+            </a:ext>
+          </a:extLst>
+        </p:spPr>
+      </p:pic>
     </p:spTree>
     <p:extLst>
       <p:ext uri="{BB962C8B-B14F-4D97-AF65-F5344CB8AC3E}">
-        <p14:creationId xmlns:p14="http://schemas.microsoft.com/office/powerpoint/2010/main" val="2092509293"/>
+        <p14:creationId xmlns:p14="http://schemas.microsoft.com/office/powerpoint/2010/main" val="3738221479"/>
       </p:ext>
     </p:extLst>
   </p:cSld>
@@ -4842,7 +4867,7 @@
   <a:extraClrSchemeLst/>
   <a:extLst>
     <a:ext uri="{05A4C25C-085E-4340-85A3-A5531E510DB2}">
-      <thm15:themeFamily xmlns:thm15="http://schemas.microsoft.com/office/thememl/2012/main" name="Office Theme" id="{62F939B6-93AF-4DB8-9C6B-D6C7DFDC589F}" vid="{4A3C46E8-61CC-4603-A589-7422A47A8E4A}"/>
+      <thm15:themeFamily xmlns:thm15="http://schemas.microsoft.com/office/thememl/2012/main" xmlns="" name="Office Theme" id="{62F939B6-93AF-4DB8-9C6B-D6C7DFDC589F}" vid="{4A3C46E8-61CC-4603-A589-7422A47A8E4A}"/>
     </a:ext>
   </a:extLst>
 </a:theme>

--- a/doc/task09/Softwarearchitektur.pptx
+++ b/doc/task09/Softwarearchitektur.pptx
@@ -9,11 +9,12 @@
     <p:sldId id="257" r:id="rId3"/>
     <p:sldId id="259" r:id="rId4"/>
     <p:sldId id="263" r:id="rId5"/>
-    <p:sldId id="260" r:id="rId6"/>
-    <p:sldId id="258" r:id="rId7"/>
-    <p:sldId id="262" r:id="rId8"/>
-    <p:sldId id="264" r:id="rId9"/>
-    <p:sldId id="261" r:id="rId10"/>
+    <p:sldId id="265" r:id="rId6"/>
+    <p:sldId id="260" r:id="rId7"/>
+    <p:sldId id="258" r:id="rId8"/>
+    <p:sldId id="262" r:id="rId9"/>
+    <p:sldId id="264" r:id="rId10"/>
+    <p:sldId id="261" r:id="rId11"/>
   </p:sldIdLst>
   <p:sldSz cx="12192000" cy="6858000"/>
   <p:notesSz cx="6858000" cy="9144000"/>
@@ -112,6 +113,22 @@
       </a:defRPr>
     </a:lvl9pPr>
   </p:defaultTextStyle>
+  <p:extLst>
+    <p:ext uri="{EFAFB233-063F-42B5-8137-9DF3F51BA10A}">
+      <p15:sldGuideLst xmlns:p15="http://schemas.microsoft.com/office/powerpoint/2012/main">
+        <p15:guide id="1" orient="horz" pos="2160">
+          <p15:clr>
+            <a:srgbClr val="A4A3A4"/>
+          </p15:clr>
+        </p15:guide>
+        <p15:guide id="2" pos="3840">
+          <p15:clr>
+            <a:srgbClr val="A4A3A4"/>
+          </p15:clr>
+        </p15:guide>
+      </p15:sldGuideLst>
+    </p:ext>
+  </p:extLst>
 </p:presentation>
 </file>
 
@@ -3129,6 +3146,199 @@
 </p:sld>
 </file>
 
+<file path=ppt/slides/slide10.xml><?xml version="1.0" encoding="utf-8"?>
+<p:sld xmlns:a="http://schemas.openxmlformats.org/drawingml/2006/main" xmlns:r="http://schemas.openxmlformats.org/officeDocument/2006/relationships" xmlns:p="http://schemas.openxmlformats.org/presentationml/2006/main">
+  <p:cSld>
+    <p:spTree>
+      <p:nvGrpSpPr>
+        <p:cNvPr id="1" name=""/>
+        <p:cNvGrpSpPr/>
+        <p:nvPr/>
+      </p:nvGrpSpPr>
+      <p:grpSpPr>
+        <a:xfrm>
+          <a:off x="0" y="0"/>
+          <a:ext cx="0" cy="0"/>
+          <a:chOff x="0" y="0"/>
+          <a:chExt cx="0" cy="0"/>
+        </a:xfrm>
+      </p:grpSpPr>
+      <p:sp>
+        <p:nvSpPr>
+          <p:cNvPr id="4" name="Rechteck 3"/>
+          <p:cNvSpPr/>
+          <p:nvPr/>
+        </p:nvSpPr>
+        <p:spPr>
+          <a:xfrm>
+            <a:off x="0" y="0"/>
+            <a:ext cx="12192000" cy="1481070"/>
+          </a:xfrm>
+          <a:prstGeom prst="rect">
+            <a:avLst/>
+          </a:prstGeom>
+          <a:solidFill>
+            <a:srgbClr val="D10505"/>
+          </a:solidFill>
+          <a:ln>
+            <a:noFill/>
+          </a:ln>
+        </p:spPr>
+        <p:style>
+          <a:lnRef idx="2">
+            <a:schemeClr val="accent1">
+              <a:shade val="50000"/>
+            </a:schemeClr>
+          </a:lnRef>
+          <a:fillRef idx="1">
+            <a:schemeClr val="accent1"/>
+          </a:fillRef>
+          <a:effectRef idx="0">
+            <a:schemeClr val="accent1"/>
+          </a:effectRef>
+          <a:fontRef idx="minor">
+            <a:schemeClr val="lt1"/>
+          </a:fontRef>
+        </p:style>
+        <p:txBody>
+          <a:bodyPr rtlCol="0" anchor="ctr"/>
+          <a:lstStyle/>
+          <a:p>
+            <a:pPr algn="ctr"/>
+            <a:endParaRPr lang="de-CH"/>
+          </a:p>
+        </p:txBody>
+      </p:sp>
+      <p:sp>
+        <p:nvSpPr>
+          <p:cNvPr id="2" name="Titel 1"/>
+          <p:cNvSpPr>
+            <a:spLocks noGrp="1"/>
+          </p:cNvSpPr>
+          <p:nvPr>
+            <p:ph type="ctrTitle"/>
+          </p:nvPr>
+        </p:nvSpPr>
+        <p:spPr>
+          <a:xfrm>
+            <a:off x="145142" y="117668"/>
+            <a:ext cx="9144000" cy="1245734"/>
+          </a:xfrm>
+        </p:spPr>
+        <p:txBody>
+          <a:bodyPr>
+            <a:normAutofit/>
+          </a:bodyPr>
+          <a:lstStyle/>
+          <a:p>
+            <a:pPr algn="l"/>
+            <a:r>
+              <a:rPr lang="de-CH" sz="7200" b="1" dirty="0" smtClean="0">
+                <a:solidFill>
+                  <a:schemeClr val="bg1"/>
+                </a:solidFill>
+              </a:rPr>
+              <a:t>Fragen?</a:t>
+            </a:r>
+            <a:endParaRPr lang="de-CH" sz="7200" b="1" dirty="0">
+              <a:solidFill>
+                <a:schemeClr val="bg1"/>
+              </a:solidFill>
+            </a:endParaRPr>
+          </a:p>
+        </p:txBody>
+      </p:sp>
+      <p:pic>
+        <p:nvPicPr>
+          <p:cNvPr id="6146" name="Picture 2" descr="https://s-media-cache-ak0.pinimg.com/236x/de/9f/c2/de9fc2d4e6946bab72e9898f73feba67.jpg"/>
+          <p:cNvPicPr>
+            <a:picLocks noChangeAspect="1" noChangeArrowheads="1"/>
+          </p:cNvPicPr>
+          <p:nvPr/>
+        </p:nvPicPr>
+        <p:blipFill>
+          <a:blip r:embed="rId2">
+            <a:extLst>
+              <a:ext uri="{28A0092B-C50C-407E-A947-70E740481C1C}">
+                <a14:useLocalDpi xmlns:a14="http://schemas.microsoft.com/office/drawing/2010/main" val="0"/>
+              </a:ext>
+            </a:extLst>
+          </a:blip>
+          <a:srcRect/>
+          <a:stretch>
+            <a:fillRect/>
+          </a:stretch>
+        </p:blipFill>
+        <p:spPr bwMode="auto">
+          <a:xfrm>
+            <a:off x="4379959" y="1540682"/>
+            <a:ext cx="3432081" cy="5235380"/>
+          </a:xfrm>
+          <a:prstGeom prst="rect">
+            <a:avLst/>
+          </a:prstGeom>
+          <a:noFill/>
+          <a:extLst>
+            <a:ext uri="{909E8E84-426E-40DD-AFC4-6F175D3DCCD1}">
+              <a14:hiddenFill xmlns:a14="http://schemas.microsoft.com/office/drawing/2010/main">
+                <a:solidFill>
+                  <a:srgbClr val="FFFFFF"/>
+                </a:solidFill>
+              </a14:hiddenFill>
+            </a:ext>
+          </a:extLst>
+        </p:spPr>
+      </p:pic>
+      <p:sp>
+        <p:nvSpPr>
+          <p:cNvPr id="5" name="Textfeld 4"/>
+          <p:cNvSpPr txBox="1"/>
+          <p:nvPr/>
+        </p:nvSpPr>
+        <p:spPr>
+          <a:xfrm>
+            <a:off x="145142" y="6361117"/>
+            <a:ext cx="2470548" cy="369332"/>
+          </a:xfrm>
+          <a:prstGeom prst="rect">
+            <a:avLst/>
+          </a:prstGeom>
+          <a:noFill/>
+        </p:spPr>
+        <p:txBody>
+          <a:bodyPr wrap="none" rtlCol="0">
+            <a:spAutoFit/>
+          </a:bodyPr>
+          <a:lstStyle/>
+          <a:p>
+            <a:r>
+              <a:rPr lang="de-CH" i="1" dirty="0" smtClean="0"/>
+              <a:t>Bildquelle: Google Bilder</a:t>
+            </a:r>
+            <a:endParaRPr lang="de-CH" i="1" dirty="0"/>
+          </a:p>
+        </p:txBody>
+      </p:sp>
+    </p:spTree>
+    <p:extLst>
+      <p:ext uri="{BB962C8B-B14F-4D97-AF65-F5344CB8AC3E}">
+        <p14:creationId xmlns:p14="http://schemas.microsoft.com/office/powerpoint/2010/main" val="2657214528"/>
+      </p:ext>
+    </p:extLst>
+  </p:cSld>
+  <p:clrMapOvr>
+    <a:masterClrMapping/>
+  </p:clrMapOvr>
+  <p:timing>
+    <p:tnLst>
+      <p:par>
+        <p:cTn id="1" dur="indefinite" restart="never" nodeType="tmRoot"/>
+      </p:par>
+    </p:tnLst>
+  </p:timing>
+</p:sld>
+</file>
+
 <file path=ppt/slides/slide2.xml><?xml version="1.0" encoding="utf-8"?>
 <p:sld xmlns:a="http://schemas.openxmlformats.org/drawingml/2006/main" xmlns:r="http://schemas.openxmlformats.org/officeDocument/2006/relationships" xmlns:p="http://schemas.openxmlformats.org/presentationml/2006/main">
   <p:cSld>
@@ -3291,7 +3501,6 @@
               <a:rPr lang="de-CH" sz="3600" dirty="0" smtClean="0"/>
               <a:t>Datenpersistenz</a:t>
             </a:r>
-            <a:endParaRPr lang="de-CH" sz="3600" dirty="0" smtClean="0"/>
           </a:p>
           <a:p>
             <a:pPr marL="285750" indent="-285750">
@@ -3742,13 +3951,52 @@
       </p:grpSpPr>
       <p:sp>
         <p:nvSpPr>
-          <p:cNvPr id="4" name="Rechteck 3"/>
+          <p:cNvPr id="2" name="Titel 1"/>
+          <p:cNvSpPr>
+            <a:spLocks noGrp="1"/>
+          </p:cNvSpPr>
+          <p:nvPr>
+            <p:ph type="ctrTitle"/>
+          </p:nvPr>
+        </p:nvSpPr>
+        <p:spPr>
+          <a:xfrm>
+            <a:off x="145142" y="117668"/>
+            <a:ext cx="9144000" cy="1245734"/>
+          </a:xfrm>
+        </p:spPr>
+        <p:txBody>
+          <a:bodyPr>
+            <a:normAutofit/>
+          </a:bodyPr>
+          <a:lstStyle/>
+          <a:p>
+            <a:pPr algn="l"/>
+            <a:r>
+              <a:rPr lang="de-CH" sz="7200" b="1" dirty="0" smtClean="0">
+                <a:solidFill>
+                  <a:schemeClr val="bg1"/>
+                </a:solidFill>
+              </a:rPr>
+              <a:t>Architekturdiagramm</a:t>
+            </a:r>
+            <a:endParaRPr lang="de-CH" sz="7200" b="1" dirty="0">
+              <a:solidFill>
+                <a:schemeClr val="bg1"/>
+              </a:solidFill>
+            </a:endParaRPr>
+          </a:p>
+        </p:txBody>
+      </p:sp>
+      <p:sp>
+        <p:nvSpPr>
+          <p:cNvPr id="5" name="Rechteck 4"/>
           <p:cNvSpPr/>
           <p:nvPr/>
         </p:nvSpPr>
         <p:spPr>
           <a:xfrm>
-            <a:off x="0" y="0"/>
+            <a:off x="-15027" y="-2148"/>
             <a:ext cx="12192000" cy="1481070"/>
           </a:xfrm>
           <a:prstGeom prst="rect">
@@ -3788,25 +4036,44 @@
       </p:sp>
       <p:sp>
         <p:nvSpPr>
-          <p:cNvPr id="2" name="Titel 1"/>
-          <p:cNvSpPr>
-            <a:spLocks noGrp="1"/>
-          </p:cNvSpPr>
-          <p:nvPr>
-            <p:ph type="ctrTitle"/>
-          </p:nvPr>
-        </p:nvSpPr>
-        <p:spPr>
-          <a:xfrm>
-            <a:off x="145142" y="117668"/>
-            <a:ext cx="9144000" cy="1245734"/>
-          </a:xfrm>
-        </p:spPr>
-        <p:txBody>
-          <a:bodyPr>
+          <p:cNvPr id="6" name="Titel 1"/>
+          <p:cNvSpPr txBox="1">
+            <a:spLocks/>
+          </p:cNvSpPr>
+          <p:nvPr/>
+        </p:nvSpPr>
+        <p:spPr>
+          <a:xfrm>
+            <a:off x="130114" y="115520"/>
+            <a:ext cx="10430561" cy="1245734"/>
+          </a:xfrm>
+          <a:prstGeom prst="rect">
+            <a:avLst/>
+          </a:prstGeom>
+        </p:spPr>
+        <p:txBody>
+          <a:bodyPr vert="horz" lIns="91440" tIns="45720" rIns="91440" bIns="45720" rtlCol="0" anchor="b">
             <a:normAutofit/>
           </a:bodyPr>
-          <a:lstStyle/>
+          <a:lstStyle>
+            <a:lvl1pPr algn="ctr" defTabSz="914400" rtl="0" eaLnBrk="1" latinLnBrk="0" hangingPunct="1">
+              <a:lnSpc>
+                <a:spcPct val="90000"/>
+              </a:lnSpc>
+              <a:spcBef>
+                <a:spcPct val="0"/>
+              </a:spcBef>
+              <a:buNone/>
+              <a:defRPr sz="6000" kern="1200">
+                <a:solidFill>
+                  <a:schemeClr val="tx1"/>
+                </a:solidFill>
+                <a:latin typeface="+mj-lt"/>
+                <a:ea typeface="+mj-ea"/>
+                <a:cs typeface="+mj-cs"/>
+              </a:defRPr>
+            </a:lvl1pPr>
+          </a:lstStyle>
           <a:p>
             <a:pPr algn="l"/>
             <a:r>
@@ -3815,7 +4082,7 @@
                   <a:schemeClr val="bg1"/>
                 </a:solidFill>
               </a:rPr>
-              <a:t>Architekturdiagramm</a:t>
+              <a:t>Unsere Implementierung</a:t>
             </a:r>
             <a:endParaRPr lang="de-CH" sz="7200" b="1" dirty="0">
               <a:solidFill>
@@ -3825,10 +4092,34 @@
           </a:p>
         </p:txBody>
       </p:sp>
+      <p:pic>
+        <p:nvPicPr>
+          <p:cNvPr id="7" name="Grafik 6"/>
+          <p:cNvPicPr>
+            <a:picLocks noChangeAspect="1"/>
+          </p:cNvPicPr>
+          <p:nvPr/>
+        </p:nvPicPr>
+        <p:blipFill>
+          <a:blip r:embed="rId2"/>
+          <a:stretch>
+            <a:fillRect/>
+          </a:stretch>
+        </p:blipFill>
+        <p:spPr>
+          <a:xfrm>
+            <a:off x="1545466" y="1810479"/>
+            <a:ext cx="8748229" cy="5047521"/>
+          </a:xfrm>
+          <a:prstGeom prst="rect">
+            <a:avLst/>
+          </a:prstGeom>
+        </p:spPr>
+      </p:pic>
     </p:spTree>
     <p:extLst>
       <p:ext uri="{BB962C8B-B14F-4D97-AF65-F5344CB8AC3E}">
-        <p14:creationId xmlns:p14="http://schemas.microsoft.com/office/powerpoint/2010/main" val="2092509293"/>
+        <p14:creationId xmlns:p14="http://schemas.microsoft.com/office/powerpoint/2010/main" val="3377003170"/>
       </p:ext>
     </p:extLst>
   </p:cSld>
@@ -3864,52 +4155,6 @@
       </p:grpSpPr>
       <p:sp>
         <p:nvSpPr>
-          <p:cNvPr id="4" name="Rechteck 3"/>
-          <p:cNvSpPr/>
-          <p:nvPr/>
-        </p:nvSpPr>
-        <p:spPr>
-          <a:xfrm>
-            <a:off x="0" y="0"/>
-            <a:ext cx="12192000" cy="1481070"/>
-          </a:xfrm>
-          <a:prstGeom prst="rect">
-            <a:avLst/>
-          </a:prstGeom>
-          <a:solidFill>
-            <a:srgbClr val="D10505"/>
-          </a:solidFill>
-          <a:ln>
-            <a:noFill/>
-          </a:ln>
-        </p:spPr>
-        <p:style>
-          <a:lnRef idx="2">
-            <a:schemeClr val="accent1">
-              <a:shade val="50000"/>
-            </a:schemeClr>
-          </a:lnRef>
-          <a:fillRef idx="1">
-            <a:schemeClr val="accent1"/>
-          </a:fillRef>
-          <a:effectRef idx="0">
-            <a:schemeClr val="accent1"/>
-          </a:effectRef>
-          <a:fontRef idx="minor">
-            <a:schemeClr val="lt1"/>
-          </a:fontRef>
-        </p:style>
-        <p:txBody>
-          <a:bodyPr rtlCol="0" anchor="ctr"/>
-          <a:lstStyle/>
-          <a:p>
-            <a:pPr algn="ctr"/>
-            <a:endParaRPr lang="de-CH"/>
-          </a:p>
-        </p:txBody>
-      </p:sp>
-      <p:sp>
-        <p:nvSpPr>
           <p:cNvPr id="2" name="Titel 1"/>
           <p:cNvSpPr>
             <a:spLocks noGrp="1"/>
@@ -3937,7 +4182,7 @@
                   <a:schemeClr val="bg1"/>
                 </a:solidFill>
               </a:rPr>
-              <a:t>Datenpersistenz</a:t>
+              <a:t>Architekturdiagramm</a:t>
             </a:r>
             <a:endParaRPr lang="de-CH" sz="7200" b="1" dirty="0">
               <a:solidFill>
@@ -3949,7 +4194,7 @@
       </p:sp>
       <p:pic>
         <p:nvPicPr>
-          <p:cNvPr id="3" name="Grafik 2"/>
+          <p:cNvPr id="5" name="Grafik 4"/>
           <p:cNvPicPr>
             <a:picLocks noChangeAspect="1"/>
           </p:cNvPicPr>
@@ -3963,48 +4208,18 @@
         </p:blipFill>
         <p:spPr>
           <a:xfrm>
-            <a:off x="1332835" y="2637555"/>
-            <a:ext cx="9526329" cy="2715004"/>
+            <a:off x="914400" y="143791"/>
+            <a:ext cx="10439513" cy="6714209"/>
           </a:xfrm>
           <a:prstGeom prst="rect">
             <a:avLst/>
           </a:prstGeom>
         </p:spPr>
       </p:pic>
-      <p:sp>
-        <p:nvSpPr>
-          <p:cNvPr id="7" name="Textfeld 6"/>
-          <p:cNvSpPr txBox="1"/>
-          <p:nvPr/>
-        </p:nvSpPr>
-        <p:spPr>
-          <a:xfrm>
-            <a:off x="145142" y="6361117"/>
-            <a:ext cx="9124742" cy="369332"/>
-          </a:xfrm>
-          <a:prstGeom prst="rect">
-            <a:avLst/>
-          </a:prstGeom>
-          <a:noFill/>
-        </p:spPr>
-        <p:txBody>
-          <a:bodyPr wrap="none" rtlCol="0">
-            <a:spAutoFit/>
-          </a:bodyPr>
-          <a:lstStyle/>
-          <a:p>
-            <a:r>
-              <a:rPr lang="de-CH" i="1" dirty="0" smtClean="0"/>
-              <a:t>Bildquelle: http://www.mongodb.com/sites/mongodb.com/files/media/mongodb-logo-rgb.jpeg</a:t>
-            </a:r>
-            <a:endParaRPr lang="de-CH" i="1" dirty="0"/>
-          </a:p>
-        </p:txBody>
-      </p:sp>
     </p:spTree>
     <p:extLst>
       <p:ext uri="{BB962C8B-B14F-4D97-AF65-F5344CB8AC3E}">
-        <p14:creationId xmlns:p14="http://schemas.microsoft.com/office/powerpoint/2010/main" val="2703701593"/>
+        <p14:creationId xmlns:p14="http://schemas.microsoft.com/office/powerpoint/2010/main" val="2092509293"/>
       </p:ext>
     </p:extLst>
   </p:cSld>
@@ -4108,12 +4323,12 @@
           <a:p>
             <a:pPr algn="l"/>
             <a:r>
-              <a:rPr lang="de-CH" sz="7200" b="1" dirty="0" err="1" smtClean="0">
+              <a:rPr lang="de-CH" sz="7200" b="1" dirty="0" smtClean="0">
                 <a:solidFill>
                   <a:schemeClr val="bg1"/>
                 </a:solidFill>
               </a:rPr>
-              <a:t>mongoDB</a:t>
+              <a:t>Datenpersistenz</a:t>
             </a:r>
             <a:endParaRPr lang="de-CH" sz="7200" b="1" dirty="0">
               <a:solidFill>
@@ -4123,16 +4338,40 @@
           </a:p>
         </p:txBody>
       </p:sp>
-      <p:sp>
-        <p:nvSpPr>
-          <p:cNvPr id="5" name="Textfeld 4"/>
+      <p:pic>
+        <p:nvPicPr>
+          <p:cNvPr id="3" name="Grafik 2"/>
+          <p:cNvPicPr>
+            <a:picLocks noChangeAspect="1"/>
+          </p:cNvPicPr>
+          <p:nvPr/>
+        </p:nvPicPr>
+        <p:blipFill>
+          <a:blip r:embed="rId2"/>
+          <a:stretch>
+            <a:fillRect/>
+          </a:stretch>
+        </p:blipFill>
+        <p:spPr>
+          <a:xfrm>
+            <a:off x="1332835" y="2637555"/>
+            <a:ext cx="9526329" cy="2715004"/>
+          </a:xfrm>
+          <a:prstGeom prst="rect">
+            <a:avLst/>
+          </a:prstGeom>
+        </p:spPr>
+      </p:pic>
+      <p:sp>
+        <p:nvSpPr>
+          <p:cNvPr id="7" name="Textfeld 6"/>
           <p:cNvSpPr txBox="1"/>
           <p:nvPr/>
         </p:nvSpPr>
         <p:spPr>
           <a:xfrm>
-            <a:off x="551542" y="1932567"/>
-            <a:ext cx="3314049" cy="4247317"/>
+            <a:off x="145142" y="6361117"/>
+            <a:ext cx="9124742" cy="369332"/>
           </a:xfrm>
           <a:prstGeom prst="rect">
             <a:avLst/>
@@ -4145,79 +4384,18 @@
           </a:bodyPr>
           <a:lstStyle/>
           <a:p>
-            <a:pPr marL="285750" indent="-285750">
-              <a:lnSpc>
-                <a:spcPct val="150000"/>
-              </a:lnSpc>
-              <a:buFont typeface="Arial" panose="020B0604020202020204" pitchFamily="34" charset="0"/>
-              <a:buChar char="•"/>
-            </a:pPr>
-            <a:r>
-              <a:rPr lang="de-CH" sz="3600" dirty="0" err="1" smtClean="0"/>
-              <a:t>OpenSource</a:t>
-            </a:r>
-            <a:endParaRPr lang="de-CH" sz="3600" dirty="0"/>
-          </a:p>
-          <a:p>
-            <a:pPr marL="285750" indent="-285750">
-              <a:lnSpc>
-                <a:spcPct val="150000"/>
-              </a:lnSpc>
-              <a:buFont typeface="Arial" panose="020B0604020202020204" pitchFamily="34" charset="0"/>
-              <a:buChar char="•"/>
-            </a:pPr>
-            <a:r>
-              <a:rPr lang="de-CH" sz="3600" dirty="0" err="1" smtClean="0"/>
-              <a:t>NoSQL</a:t>
-            </a:r>
-            <a:endParaRPr lang="de-CH" sz="3600" dirty="0"/>
-          </a:p>
-          <a:p>
-            <a:pPr marL="285750" indent="-285750">
-              <a:lnSpc>
-                <a:spcPct val="150000"/>
-              </a:lnSpc>
-              <a:buFont typeface="Arial" panose="020B0604020202020204" pitchFamily="34" charset="0"/>
-              <a:buChar char="•"/>
-            </a:pPr>
-            <a:r>
-              <a:rPr lang="de-CH" sz="3600" dirty="0" smtClean="0"/>
-              <a:t>Weit verbreitet</a:t>
-            </a:r>
-          </a:p>
-          <a:p>
-            <a:pPr marL="285750" indent="-285750">
-              <a:lnSpc>
-                <a:spcPct val="150000"/>
-              </a:lnSpc>
-              <a:buFont typeface="Arial" panose="020B0604020202020204" pitchFamily="34" charset="0"/>
-              <a:buChar char="•"/>
-            </a:pPr>
-            <a:r>
-              <a:rPr lang="de-CH" sz="3600" dirty="0" smtClean="0"/>
-              <a:t>Lokal</a:t>
-            </a:r>
-          </a:p>
-          <a:p>
-            <a:pPr marL="285750" indent="-285750">
-              <a:lnSpc>
-                <a:spcPct val="150000"/>
-              </a:lnSpc>
-              <a:buFont typeface="Arial" panose="020B0604020202020204" pitchFamily="34" charset="0"/>
-              <a:buChar char="•"/>
-            </a:pPr>
-            <a:r>
-              <a:rPr lang="de-CH" sz="3600" dirty="0" smtClean="0"/>
-              <a:t>JSON</a:t>
-            </a:r>
-            <a:endParaRPr lang="de-CH" sz="3600" dirty="0"/>
+            <a:r>
+              <a:rPr lang="de-CH" i="1" dirty="0" smtClean="0"/>
+              <a:t>Bildquelle: http://www.mongodb.com/sites/mongodb.com/files/media/mongodb-logo-rgb.jpeg</a:t>
+            </a:r>
+            <a:endParaRPr lang="de-CH" i="1" dirty="0"/>
           </a:p>
         </p:txBody>
       </p:sp>
     </p:spTree>
     <p:extLst>
       <p:ext uri="{BB962C8B-B14F-4D97-AF65-F5344CB8AC3E}">
-        <p14:creationId xmlns:p14="http://schemas.microsoft.com/office/powerpoint/2010/main" val="982192119"/>
+        <p14:creationId xmlns:p14="http://schemas.microsoft.com/office/powerpoint/2010/main" val="2703701593"/>
       </p:ext>
     </p:extLst>
   </p:cSld>
@@ -4320,6 +4498,14 @@
           <a:lstStyle/>
           <a:p>
             <a:pPr algn="l"/>
+            <a:r>
+              <a:rPr lang="de-CH" sz="7200" b="1" dirty="0" err="1" smtClean="0">
+                <a:solidFill>
+                  <a:schemeClr val="bg1"/>
+                </a:solidFill>
+              </a:rPr>
+              <a:t>mongoDB</a:t>
+            </a:r>
             <a:endParaRPr lang="de-CH" sz="7200" b="1" dirty="0">
               <a:solidFill>
                 <a:schemeClr val="bg1"/>
@@ -4330,14 +4516,14 @@
       </p:sp>
       <p:sp>
         <p:nvSpPr>
-          <p:cNvPr id="7" name="Textfeld 6"/>
+          <p:cNvPr id="5" name="Textfeld 4"/>
           <p:cNvSpPr txBox="1"/>
           <p:nvPr/>
         </p:nvSpPr>
         <p:spPr>
           <a:xfrm>
-            <a:off x="471621" y="2032001"/>
-            <a:ext cx="237566" cy="369332"/>
+            <a:off x="551542" y="1932567"/>
+            <a:ext cx="3314049" cy="3416320"/>
           </a:xfrm>
           <a:prstGeom prst="rect">
             <a:avLst/>
@@ -4350,59 +4536,70 @@
           </a:bodyPr>
           <a:lstStyle/>
           <a:p>
-            <a:r>
-              <a:rPr lang="de-CH" dirty="0" smtClean="0"/>
-              <a:t> </a:t>
-            </a:r>
-            <a:endParaRPr lang="de-CH" dirty="0"/>
-          </a:p>
-        </p:txBody>
-      </p:sp>
-      <p:pic>
-        <p:nvPicPr>
-          <p:cNvPr id="1026" name="Picture 2" descr="C:\Users\James\workspaceLuna\PatientApp\doc\task09\soft-schema2.png"/>
-          <p:cNvPicPr>
-            <a:picLocks noChangeAspect="1" noChangeArrowheads="1"/>
-          </p:cNvPicPr>
-          <p:nvPr/>
-        </p:nvPicPr>
-        <p:blipFill>
-          <a:blip r:embed="rId2">
-            <a:extLst>
-              <a:ext uri="{28A0092B-C50C-407E-A947-70E740481C1C}">
-                <a14:useLocalDpi xmlns:a14="http://schemas.microsoft.com/office/drawing/2010/main" val="0"/>
-              </a:ext>
-            </a:extLst>
-          </a:blip>
-          <a:srcRect/>
-          <a:stretch>
-            <a:fillRect/>
-          </a:stretch>
-        </p:blipFill>
-        <p:spPr bwMode="auto">
-          <a:xfrm>
-            <a:off x="1381910" y="-43528"/>
-            <a:ext cx="9428180" cy="6977728"/>
-          </a:xfrm>
-          <a:prstGeom prst="rect">
-            <a:avLst/>
-          </a:prstGeom>
-          <a:noFill/>
-          <a:extLst>
-            <a:ext uri="{909E8E84-426E-40DD-AFC4-6F175D3DCCD1}">
-              <a14:hiddenFill xmlns:a14="http://schemas.microsoft.com/office/drawing/2010/main">
-                <a:solidFill>
-                  <a:srgbClr val="FFFFFF"/>
-                </a:solidFill>
-              </a14:hiddenFill>
-            </a:ext>
-          </a:extLst>
-        </p:spPr>
-      </p:pic>
+            <a:pPr marL="285750" indent="-285750">
+              <a:lnSpc>
+                <a:spcPct val="150000"/>
+              </a:lnSpc>
+              <a:buFont typeface="Arial" panose="020B0604020202020204" pitchFamily="34" charset="0"/>
+              <a:buChar char="•"/>
+            </a:pPr>
+            <a:r>
+              <a:rPr lang="de-CH" sz="3600" dirty="0" err="1" smtClean="0"/>
+              <a:t>OpenSource</a:t>
+            </a:r>
+            <a:endParaRPr lang="de-CH" sz="3600" dirty="0"/>
+          </a:p>
+          <a:p>
+            <a:pPr marL="285750" indent="-285750">
+              <a:lnSpc>
+                <a:spcPct val="150000"/>
+              </a:lnSpc>
+              <a:buFont typeface="Arial" panose="020B0604020202020204" pitchFamily="34" charset="0"/>
+              <a:buChar char="•"/>
+            </a:pPr>
+            <a:r>
+              <a:rPr lang="de-CH" sz="3600" dirty="0" err="1" smtClean="0"/>
+              <a:t>NoSQL</a:t>
+            </a:r>
+            <a:endParaRPr lang="de-CH" sz="3600" dirty="0"/>
+          </a:p>
+          <a:p>
+            <a:pPr marL="285750" indent="-285750">
+              <a:lnSpc>
+                <a:spcPct val="150000"/>
+              </a:lnSpc>
+              <a:buFont typeface="Arial" panose="020B0604020202020204" pitchFamily="34" charset="0"/>
+              <a:buChar char="•"/>
+            </a:pPr>
+            <a:r>
+              <a:rPr lang="de-CH" sz="3600" dirty="0" smtClean="0"/>
+              <a:t>Weit </a:t>
+            </a:r>
+            <a:r>
+              <a:rPr lang="de-CH" sz="3600" dirty="0" smtClean="0"/>
+              <a:t>verbreitet</a:t>
+            </a:r>
+          </a:p>
+          <a:p>
+            <a:pPr marL="285750" indent="-285750">
+              <a:lnSpc>
+                <a:spcPct val="150000"/>
+              </a:lnSpc>
+              <a:buFont typeface="Arial" panose="020B0604020202020204" pitchFamily="34" charset="0"/>
+              <a:buChar char="•"/>
+            </a:pPr>
+            <a:r>
+              <a:rPr lang="de-CH" sz="3600" dirty="0" smtClean="0"/>
+              <a:t>JSON</a:t>
+            </a:r>
+            <a:endParaRPr lang="de-CH" sz="3600" dirty="0"/>
+          </a:p>
+        </p:txBody>
+      </p:sp>
     </p:spTree>
     <p:extLst>
       <p:ext uri="{BB962C8B-B14F-4D97-AF65-F5344CB8AC3E}">
-        <p14:creationId xmlns:p14="http://schemas.microsoft.com/office/powerpoint/2010/main" val="3738221479"/>
+        <p14:creationId xmlns:p14="http://schemas.microsoft.com/office/powerpoint/2010/main" val="982192119"/>
       </p:ext>
     </p:extLst>
   </p:cSld>
@@ -4438,92 +4635,37 @@
       </p:grpSpPr>
       <p:sp>
         <p:nvSpPr>
-          <p:cNvPr id="4" name="Rechteck 3"/>
-          <p:cNvSpPr/>
+          <p:cNvPr id="7" name="Textfeld 6"/>
+          <p:cNvSpPr txBox="1"/>
           <p:nvPr/>
         </p:nvSpPr>
         <p:spPr>
           <a:xfrm>
-            <a:off x="0" y="0"/>
-            <a:ext cx="12192000" cy="1481070"/>
+            <a:off x="471621" y="2032001"/>
+            <a:ext cx="237566" cy="369332"/>
           </a:xfrm>
           <a:prstGeom prst="rect">
             <a:avLst/>
           </a:prstGeom>
-          <a:solidFill>
-            <a:srgbClr val="D10505"/>
-          </a:solidFill>
-          <a:ln>
-            <a:noFill/>
-          </a:ln>
-        </p:spPr>
-        <p:style>
-          <a:lnRef idx="2">
-            <a:schemeClr val="accent1">
-              <a:shade val="50000"/>
-            </a:schemeClr>
-          </a:lnRef>
-          <a:fillRef idx="1">
-            <a:schemeClr val="accent1"/>
-          </a:fillRef>
-          <a:effectRef idx="0">
-            <a:schemeClr val="accent1"/>
-          </a:effectRef>
-          <a:fontRef idx="minor">
-            <a:schemeClr val="lt1"/>
-          </a:fontRef>
-        </p:style>
-        <p:txBody>
-          <a:bodyPr rtlCol="0" anchor="ctr"/>
-          <a:lstStyle/>
-          <a:p>
-            <a:pPr algn="ctr"/>
-            <a:endParaRPr lang="de-CH"/>
-          </a:p>
-        </p:txBody>
-      </p:sp>
-      <p:sp>
-        <p:nvSpPr>
-          <p:cNvPr id="2" name="Titel 1"/>
-          <p:cNvSpPr>
-            <a:spLocks noGrp="1"/>
-          </p:cNvSpPr>
-          <p:nvPr>
-            <p:ph type="ctrTitle"/>
-          </p:nvPr>
-        </p:nvSpPr>
-        <p:spPr>
-          <a:xfrm>
-            <a:off x="145142" y="117668"/>
-            <a:ext cx="9144000" cy="1245734"/>
-          </a:xfrm>
-        </p:spPr>
-        <p:txBody>
-          <a:bodyPr>
-            <a:normAutofit/>
+          <a:noFill/>
+        </p:spPr>
+        <p:txBody>
+          <a:bodyPr wrap="none" rtlCol="0">
+            <a:spAutoFit/>
           </a:bodyPr>
           <a:lstStyle/>
           <a:p>
-            <a:pPr algn="l"/>
-            <a:r>
-              <a:rPr lang="de-CH" sz="7200" b="1" dirty="0" smtClean="0">
-                <a:solidFill>
-                  <a:schemeClr val="bg1"/>
-                </a:solidFill>
-              </a:rPr>
-              <a:t>Fragen?</a:t>
-            </a:r>
-            <a:endParaRPr lang="de-CH" sz="7200" b="1" dirty="0">
-              <a:solidFill>
-                <a:schemeClr val="bg1"/>
-              </a:solidFill>
-            </a:endParaRPr>
+            <a:r>
+              <a:rPr lang="de-CH" dirty="0" smtClean="0"/>
+              <a:t> </a:t>
+            </a:r>
+            <a:endParaRPr lang="de-CH" dirty="0"/>
           </a:p>
         </p:txBody>
       </p:sp>
       <p:pic>
         <p:nvPicPr>
-          <p:cNvPr id="6146" name="Picture 2" descr="https://s-media-cache-ak0.pinimg.com/236x/de/9f/c2/de9fc2d4e6946bab72e9898f73feba67.jpg"/>
+          <p:cNvPr id="1026" name="Picture 2" descr="C:\Users\James\workspaceLuna\PatientApp\doc\task09\soft-schema2.png"/>
           <p:cNvPicPr>
             <a:picLocks noChangeAspect="1" noChangeArrowheads="1"/>
           </p:cNvPicPr>
@@ -4544,8 +4686,8 @@
         </p:blipFill>
         <p:spPr bwMode="auto">
           <a:xfrm>
-            <a:off x="4379959" y="1540682"/>
-            <a:ext cx="3432081" cy="5235380"/>
+            <a:off x="2193853" y="1481070"/>
+            <a:ext cx="7431381" cy="5499912"/>
           </a:xfrm>
           <a:prstGeom prst="rect">
             <a:avLst/>
@@ -4564,38 +4706,101 @@
       </p:pic>
       <p:sp>
         <p:nvSpPr>
-          <p:cNvPr id="5" name="Textfeld 4"/>
-          <p:cNvSpPr txBox="1"/>
+          <p:cNvPr id="6" name="Rechteck 5"/>
+          <p:cNvSpPr/>
           <p:nvPr/>
         </p:nvSpPr>
         <p:spPr>
           <a:xfrm>
-            <a:off x="145142" y="6361117"/>
-            <a:ext cx="2470548" cy="369332"/>
+            <a:off x="0" y="0"/>
+            <a:ext cx="12192000" cy="1481070"/>
           </a:xfrm>
           <a:prstGeom prst="rect">
             <a:avLst/>
           </a:prstGeom>
-          <a:noFill/>
-        </p:spPr>
-        <p:txBody>
-          <a:bodyPr wrap="none" rtlCol="0">
-            <a:spAutoFit/>
+          <a:solidFill>
+            <a:srgbClr val="D10505"/>
+          </a:solidFill>
+          <a:ln>
+            <a:noFill/>
+          </a:ln>
+        </p:spPr>
+        <p:style>
+          <a:lnRef idx="2">
+            <a:schemeClr val="accent1">
+              <a:shade val="50000"/>
+            </a:schemeClr>
+          </a:lnRef>
+          <a:fillRef idx="1">
+            <a:schemeClr val="accent1"/>
+          </a:fillRef>
+          <a:effectRef idx="0">
+            <a:schemeClr val="accent1"/>
+          </a:effectRef>
+          <a:fontRef idx="minor">
+            <a:schemeClr val="lt1"/>
+          </a:fontRef>
+        </p:style>
+        <p:txBody>
+          <a:bodyPr rtlCol="0" anchor="ctr"/>
+          <a:lstStyle/>
+          <a:p>
+            <a:pPr algn="ctr"/>
+            <a:endParaRPr lang="de-CH"/>
+          </a:p>
+        </p:txBody>
+      </p:sp>
+      <p:sp>
+        <p:nvSpPr>
+          <p:cNvPr id="8" name="Titel 1"/>
+          <p:cNvSpPr>
+            <a:spLocks noGrp="1"/>
+          </p:cNvSpPr>
+          <p:nvPr>
+            <p:ph type="ctrTitle"/>
+          </p:nvPr>
+        </p:nvSpPr>
+        <p:spPr>
+          <a:xfrm>
+            <a:off x="145142" y="117668"/>
+            <a:ext cx="9144000" cy="1245734"/>
+          </a:xfrm>
+        </p:spPr>
+        <p:txBody>
+          <a:bodyPr>
+            <a:normAutofit/>
           </a:bodyPr>
           <a:lstStyle/>
           <a:p>
-            <a:r>
-              <a:rPr lang="de-CH" i="1" dirty="0" smtClean="0"/>
-              <a:t>Bildquelle: Google Bilder</a:t>
-            </a:r>
-            <a:endParaRPr lang="de-CH" i="1" dirty="0"/>
+            <a:pPr algn="l"/>
+            <a:r>
+              <a:rPr lang="de-CH" sz="7200" b="1" dirty="0" err="1" smtClean="0">
+                <a:solidFill>
+                  <a:schemeClr val="bg1"/>
+                </a:solidFill>
+              </a:rPr>
+              <a:t>mongoDB</a:t>
+            </a:r>
+            <a:r>
+              <a:rPr lang="de-CH" sz="7200" b="1" dirty="0" smtClean="0">
+                <a:solidFill>
+                  <a:schemeClr val="bg1"/>
+                </a:solidFill>
+              </a:rPr>
+              <a:t> – ein Beispiel</a:t>
+            </a:r>
+            <a:endParaRPr lang="de-CH" sz="7200" b="1" dirty="0">
+              <a:solidFill>
+                <a:schemeClr val="bg1"/>
+              </a:solidFill>
+            </a:endParaRPr>
           </a:p>
         </p:txBody>
       </p:sp>
     </p:spTree>
     <p:extLst>
       <p:ext uri="{BB962C8B-B14F-4D97-AF65-F5344CB8AC3E}">
-        <p14:creationId xmlns:p14="http://schemas.microsoft.com/office/powerpoint/2010/main" val="2657214528"/>
+        <p14:creationId xmlns:p14="http://schemas.microsoft.com/office/powerpoint/2010/main" val="3738221479"/>
       </p:ext>
     </p:extLst>
   </p:cSld>
@@ -4867,7 +5072,7 @@
   <a:extraClrSchemeLst/>
   <a:extLst>
     <a:ext uri="{05A4C25C-085E-4340-85A3-A5531E510DB2}">
-      <thm15:themeFamily xmlns:thm15="http://schemas.microsoft.com/office/thememl/2012/main" xmlns="" name="Office Theme" id="{62F939B6-93AF-4DB8-9C6B-D6C7DFDC589F}" vid="{4A3C46E8-61CC-4603-A589-7422A47A8E4A}"/>
+      <thm15:themeFamily xmlns:thm15="http://schemas.microsoft.com/office/thememl/2012/main" name="Office Theme" id="{62F939B6-93AF-4DB8-9C6B-D6C7DFDC589F}" vid="{4A3C46E8-61CC-4603-A589-7422A47A8E4A}"/>
     </a:ext>
   </a:extLst>
 </a:theme>

--- a/doc/task09/Softwarearchitektur.pptx
+++ b/doc/task09/Softwarearchitektur.pptx
@@ -9,11 +9,12 @@
     <p:sldId id="257" r:id="rId3"/>
     <p:sldId id="259" r:id="rId4"/>
     <p:sldId id="263" r:id="rId5"/>
-    <p:sldId id="260" r:id="rId6"/>
-    <p:sldId id="258" r:id="rId7"/>
-    <p:sldId id="262" r:id="rId8"/>
-    <p:sldId id="264" r:id="rId9"/>
-    <p:sldId id="261" r:id="rId10"/>
+    <p:sldId id="265" r:id="rId6"/>
+    <p:sldId id="260" r:id="rId7"/>
+    <p:sldId id="258" r:id="rId8"/>
+    <p:sldId id="262" r:id="rId9"/>
+    <p:sldId id="264" r:id="rId10"/>
+    <p:sldId id="261" r:id="rId11"/>
   </p:sldIdLst>
   <p:sldSz cx="12192000" cy="6858000"/>
   <p:notesSz cx="6858000" cy="9144000"/>
@@ -112,6 +113,22 @@
       </a:defRPr>
     </a:lvl9pPr>
   </p:defaultTextStyle>
+  <p:extLst>
+    <p:ext uri="{EFAFB233-063F-42B5-8137-9DF3F51BA10A}">
+      <p15:sldGuideLst xmlns:p15="http://schemas.microsoft.com/office/powerpoint/2012/main" xmlns="">
+        <p15:guide id="1" orient="horz" pos="2160">
+          <p15:clr>
+            <a:srgbClr val="A4A3A4"/>
+          </p15:clr>
+        </p15:guide>
+        <p15:guide id="2" pos="3840">
+          <p15:clr>
+            <a:srgbClr val="A4A3A4"/>
+          </p15:clr>
+        </p15:guide>
+      </p15:sldGuideLst>
+    </p:ext>
+  </p:extLst>
 </p:presentation>
 </file>
 
@@ -3129,6 +3146,199 @@
 </p:sld>
 </file>
 
+<file path=ppt/slides/slide10.xml><?xml version="1.0" encoding="utf-8"?>
+<p:sld xmlns:a="http://schemas.openxmlformats.org/drawingml/2006/main" xmlns:r="http://schemas.openxmlformats.org/officeDocument/2006/relationships" xmlns:p="http://schemas.openxmlformats.org/presentationml/2006/main">
+  <p:cSld>
+    <p:spTree>
+      <p:nvGrpSpPr>
+        <p:cNvPr id="1" name=""/>
+        <p:cNvGrpSpPr/>
+        <p:nvPr/>
+      </p:nvGrpSpPr>
+      <p:grpSpPr>
+        <a:xfrm>
+          <a:off x="0" y="0"/>
+          <a:ext cx="0" cy="0"/>
+          <a:chOff x="0" y="0"/>
+          <a:chExt cx="0" cy="0"/>
+        </a:xfrm>
+      </p:grpSpPr>
+      <p:sp>
+        <p:nvSpPr>
+          <p:cNvPr id="4" name="Rechteck 3"/>
+          <p:cNvSpPr/>
+          <p:nvPr/>
+        </p:nvSpPr>
+        <p:spPr>
+          <a:xfrm>
+            <a:off x="0" y="0"/>
+            <a:ext cx="12192000" cy="1481070"/>
+          </a:xfrm>
+          <a:prstGeom prst="rect">
+            <a:avLst/>
+          </a:prstGeom>
+          <a:solidFill>
+            <a:srgbClr val="D10505"/>
+          </a:solidFill>
+          <a:ln>
+            <a:noFill/>
+          </a:ln>
+        </p:spPr>
+        <p:style>
+          <a:lnRef idx="2">
+            <a:schemeClr val="accent1">
+              <a:shade val="50000"/>
+            </a:schemeClr>
+          </a:lnRef>
+          <a:fillRef idx="1">
+            <a:schemeClr val="accent1"/>
+          </a:fillRef>
+          <a:effectRef idx="0">
+            <a:schemeClr val="accent1"/>
+          </a:effectRef>
+          <a:fontRef idx="minor">
+            <a:schemeClr val="lt1"/>
+          </a:fontRef>
+        </p:style>
+        <p:txBody>
+          <a:bodyPr rtlCol="0" anchor="ctr"/>
+          <a:lstStyle/>
+          <a:p>
+            <a:pPr algn="ctr"/>
+            <a:endParaRPr lang="de-CH"/>
+          </a:p>
+        </p:txBody>
+      </p:sp>
+      <p:sp>
+        <p:nvSpPr>
+          <p:cNvPr id="2" name="Titel 1"/>
+          <p:cNvSpPr>
+            <a:spLocks noGrp="1"/>
+          </p:cNvSpPr>
+          <p:nvPr>
+            <p:ph type="ctrTitle"/>
+          </p:nvPr>
+        </p:nvSpPr>
+        <p:spPr>
+          <a:xfrm>
+            <a:off x="145142" y="117668"/>
+            <a:ext cx="9144000" cy="1245734"/>
+          </a:xfrm>
+        </p:spPr>
+        <p:txBody>
+          <a:bodyPr>
+            <a:normAutofit/>
+          </a:bodyPr>
+          <a:lstStyle/>
+          <a:p>
+            <a:pPr algn="l"/>
+            <a:r>
+              <a:rPr lang="de-CH" sz="7200" b="1" dirty="0" smtClean="0">
+                <a:solidFill>
+                  <a:schemeClr val="bg1"/>
+                </a:solidFill>
+              </a:rPr>
+              <a:t>Fragen?</a:t>
+            </a:r>
+            <a:endParaRPr lang="de-CH" sz="7200" b="1" dirty="0">
+              <a:solidFill>
+                <a:schemeClr val="bg1"/>
+              </a:solidFill>
+            </a:endParaRPr>
+          </a:p>
+        </p:txBody>
+      </p:sp>
+      <p:pic>
+        <p:nvPicPr>
+          <p:cNvPr id="6146" name="Picture 2" descr="https://s-media-cache-ak0.pinimg.com/236x/de/9f/c2/de9fc2d4e6946bab72e9898f73feba67.jpg"/>
+          <p:cNvPicPr>
+            <a:picLocks noChangeAspect="1" noChangeArrowheads="1"/>
+          </p:cNvPicPr>
+          <p:nvPr/>
+        </p:nvPicPr>
+        <p:blipFill>
+          <a:blip r:embed="rId2">
+            <a:extLst>
+              <a:ext uri="{28A0092B-C50C-407E-A947-70E740481C1C}">
+                <a14:useLocalDpi xmlns:a14="http://schemas.microsoft.com/office/drawing/2010/main" val="0"/>
+              </a:ext>
+            </a:extLst>
+          </a:blip>
+          <a:srcRect/>
+          <a:stretch>
+            <a:fillRect/>
+          </a:stretch>
+        </p:blipFill>
+        <p:spPr bwMode="auto">
+          <a:xfrm>
+            <a:off x="4379959" y="1540682"/>
+            <a:ext cx="3432081" cy="5235380"/>
+          </a:xfrm>
+          <a:prstGeom prst="rect">
+            <a:avLst/>
+          </a:prstGeom>
+          <a:noFill/>
+          <a:extLst>
+            <a:ext uri="{909E8E84-426E-40DD-AFC4-6F175D3DCCD1}">
+              <a14:hiddenFill xmlns:a14="http://schemas.microsoft.com/office/drawing/2010/main">
+                <a:solidFill>
+                  <a:srgbClr val="FFFFFF"/>
+                </a:solidFill>
+              </a14:hiddenFill>
+            </a:ext>
+          </a:extLst>
+        </p:spPr>
+      </p:pic>
+      <p:sp>
+        <p:nvSpPr>
+          <p:cNvPr id="5" name="Textfeld 4"/>
+          <p:cNvSpPr txBox="1"/>
+          <p:nvPr/>
+        </p:nvSpPr>
+        <p:spPr>
+          <a:xfrm>
+            <a:off x="145142" y="6361117"/>
+            <a:ext cx="2470548" cy="369332"/>
+          </a:xfrm>
+          <a:prstGeom prst="rect">
+            <a:avLst/>
+          </a:prstGeom>
+          <a:noFill/>
+        </p:spPr>
+        <p:txBody>
+          <a:bodyPr wrap="none" rtlCol="0">
+            <a:spAutoFit/>
+          </a:bodyPr>
+          <a:lstStyle/>
+          <a:p>
+            <a:r>
+              <a:rPr lang="de-CH" i="1" dirty="0" smtClean="0"/>
+              <a:t>Bildquelle: Google Bilder</a:t>
+            </a:r>
+            <a:endParaRPr lang="de-CH" i="1" dirty="0"/>
+          </a:p>
+        </p:txBody>
+      </p:sp>
+    </p:spTree>
+    <p:extLst>
+      <p:ext uri="{BB962C8B-B14F-4D97-AF65-F5344CB8AC3E}">
+        <p14:creationId xmlns:p14="http://schemas.microsoft.com/office/powerpoint/2010/main" val="2657214528"/>
+      </p:ext>
+    </p:extLst>
+  </p:cSld>
+  <p:clrMapOvr>
+    <a:masterClrMapping/>
+  </p:clrMapOvr>
+  <p:timing>
+    <p:tnLst>
+      <p:par>
+        <p:cTn id="1" dur="indefinite" restart="never" nodeType="tmRoot"/>
+      </p:par>
+    </p:tnLst>
+  </p:timing>
+</p:sld>
+</file>
+
 <file path=ppt/slides/slide2.xml><?xml version="1.0" encoding="utf-8"?>
 <p:sld xmlns:a="http://schemas.openxmlformats.org/drawingml/2006/main" xmlns:r="http://schemas.openxmlformats.org/officeDocument/2006/relationships" xmlns:p="http://schemas.openxmlformats.org/presentationml/2006/main">
   <p:cSld>
@@ -3291,7 +3501,6 @@
               <a:rPr lang="de-CH" sz="3600" dirty="0" smtClean="0"/>
               <a:t>Datenpersistenz</a:t>
             </a:r>
-            <a:endParaRPr lang="de-CH" sz="3600" dirty="0" smtClean="0"/>
           </a:p>
           <a:p>
             <a:pPr marL="285750" indent="-285750">
@@ -3742,13 +3951,52 @@
       </p:grpSpPr>
       <p:sp>
         <p:nvSpPr>
-          <p:cNvPr id="4" name="Rechteck 3"/>
+          <p:cNvPr id="2" name="Titel 1"/>
+          <p:cNvSpPr>
+            <a:spLocks noGrp="1"/>
+          </p:cNvSpPr>
+          <p:nvPr>
+            <p:ph type="ctrTitle"/>
+          </p:nvPr>
+        </p:nvSpPr>
+        <p:spPr>
+          <a:xfrm>
+            <a:off x="145142" y="117668"/>
+            <a:ext cx="9144000" cy="1245734"/>
+          </a:xfrm>
+        </p:spPr>
+        <p:txBody>
+          <a:bodyPr>
+            <a:normAutofit/>
+          </a:bodyPr>
+          <a:lstStyle/>
+          <a:p>
+            <a:pPr algn="l"/>
+            <a:r>
+              <a:rPr lang="de-CH" sz="7200" b="1" dirty="0" smtClean="0">
+                <a:solidFill>
+                  <a:schemeClr val="bg1"/>
+                </a:solidFill>
+              </a:rPr>
+              <a:t>Architekturdiagramm</a:t>
+            </a:r>
+            <a:endParaRPr lang="de-CH" sz="7200" b="1" dirty="0">
+              <a:solidFill>
+                <a:schemeClr val="bg1"/>
+              </a:solidFill>
+            </a:endParaRPr>
+          </a:p>
+        </p:txBody>
+      </p:sp>
+      <p:sp>
+        <p:nvSpPr>
+          <p:cNvPr id="5" name="Rechteck 4"/>
           <p:cNvSpPr/>
           <p:nvPr/>
         </p:nvSpPr>
         <p:spPr>
           <a:xfrm>
-            <a:off x="0" y="0"/>
+            <a:off x="-15027" y="-2148"/>
             <a:ext cx="12192000" cy="1481070"/>
           </a:xfrm>
           <a:prstGeom prst="rect">
@@ -3788,25 +4036,44 @@
       </p:sp>
       <p:sp>
         <p:nvSpPr>
-          <p:cNvPr id="2" name="Titel 1"/>
-          <p:cNvSpPr>
-            <a:spLocks noGrp="1"/>
-          </p:cNvSpPr>
-          <p:nvPr>
-            <p:ph type="ctrTitle"/>
-          </p:nvPr>
-        </p:nvSpPr>
-        <p:spPr>
-          <a:xfrm>
-            <a:off x="145142" y="117668"/>
-            <a:ext cx="9144000" cy="1245734"/>
-          </a:xfrm>
-        </p:spPr>
-        <p:txBody>
-          <a:bodyPr>
+          <p:cNvPr id="6" name="Titel 1"/>
+          <p:cNvSpPr txBox="1">
+            <a:spLocks/>
+          </p:cNvSpPr>
+          <p:nvPr/>
+        </p:nvSpPr>
+        <p:spPr>
+          <a:xfrm>
+            <a:off x="130114" y="115520"/>
+            <a:ext cx="10430561" cy="1245734"/>
+          </a:xfrm>
+          <a:prstGeom prst="rect">
+            <a:avLst/>
+          </a:prstGeom>
+        </p:spPr>
+        <p:txBody>
+          <a:bodyPr vert="horz" lIns="91440" tIns="45720" rIns="91440" bIns="45720" rtlCol="0" anchor="b">
             <a:normAutofit/>
           </a:bodyPr>
-          <a:lstStyle/>
+          <a:lstStyle>
+            <a:lvl1pPr algn="ctr" defTabSz="914400" rtl="0" eaLnBrk="1" latinLnBrk="0" hangingPunct="1">
+              <a:lnSpc>
+                <a:spcPct val="90000"/>
+              </a:lnSpc>
+              <a:spcBef>
+                <a:spcPct val="0"/>
+              </a:spcBef>
+              <a:buNone/>
+              <a:defRPr sz="6000" kern="1200">
+                <a:solidFill>
+                  <a:schemeClr val="tx1"/>
+                </a:solidFill>
+                <a:latin typeface="+mj-lt"/>
+                <a:ea typeface="+mj-ea"/>
+                <a:cs typeface="+mj-cs"/>
+              </a:defRPr>
+            </a:lvl1pPr>
+          </a:lstStyle>
           <a:p>
             <a:pPr algn="l"/>
             <a:r>
@@ -3815,7 +4082,7 @@
                   <a:schemeClr val="bg1"/>
                 </a:solidFill>
               </a:rPr>
-              <a:t>Architekturdiagramm</a:t>
+              <a:t>Unsere Implementierung</a:t>
             </a:r>
             <a:endParaRPr lang="de-CH" sz="7200" b="1" dirty="0">
               <a:solidFill>
@@ -3825,10 +4092,64 @@
           </a:p>
         </p:txBody>
       </p:sp>
+      <p:pic>
+        <p:nvPicPr>
+          <p:cNvPr id="2050" name="Picture 2"/>
+          <p:cNvPicPr>
+            <a:picLocks noChangeAspect="1" noChangeArrowheads="1"/>
+          </p:cNvPicPr>
+          <p:nvPr/>
+        </p:nvPicPr>
+        <p:blipFill>
+          <a:blip r:embed="rId2">
+            <a:extLst>
+              <a:ext uri="{28A0092B-C50C-407E-A947-70E740481C1C}">
+                <a14:useLocalDpi xmlns:a14="http://schemas.microsoft.com/office/drawing/2010/main" val="0"/>
+              </a:ext>
+            </a:extLst>
+          </a:blip>
+          <a:srcRect/>
+          <a:stretch>
+            <a:fillRect/>
+          </a:stretch>
+        </p:blipFill>
+        <p:spPr bwMode="auto">
+          <a:xfrm>
+            <a:off x="876300" y="71438"/>
+            <a:ext cx="10439400" cy="6715125"/>
+          </a:xfrm>
+          <a:prstGeom prst="rect">
+            <a:avLst/>
+          </a:prstGeom>
+          <a:noFill/>
+          <a:ln>
+            <a:noFill/>
+          </a:ln>
+          <a:extLst>
+            <a:ext uri="{909E8E84-426E-40DD-AFC4-6F175D3DCCD1}">
+              <a14:hiddenFill xmlns:a14="http://schemas.microsoft.com/office/drawing/2010/main">
+                <a:solidFill>
+                  <a:schemeClr val="accent1"/>
+                </a:solidFill>
+              </a14:hiddenFill>
+            </a:ext>
+            <a:ext uri="{91240B29-F687-4F45-9708-019B960494DF}">
+              <a14:hiddenLine xmlns:a14="http://schemas.microsoft.com/office/drawing/2010/main" w="9525">
+                <a:solidFill>
+                  <a:schemeClr val="tx1"/>
+                </a:solidFill>
+                <a:miter lim="800000"/>
+                <a:headEnd/>
+                <a:tailEnd/>
+              </a14:hiddenLine>
+            </a:ext>
+          </a:extLst>
+        </p:spPr>
+      </p:pic>
     </p:spTree>
     <p:extLst>
       <p:ext uri="{BB962C8B-B14F-4D97-AF65-F5344CB8AC3E}">
-        <p14:creationId xmlns:p14="http://schemas.microsoft.com/office/powerpoint/2010/main" val="2092509293"/>
+        <p14:creationId xmlns:p14="http://schemas.microsoft.com/office/powerpoint/2010/main" val="3377003170"/>
       </p:ext>
     </p:extLst>
   </p:cSld>
@@ -3864,52 +4185,6 @@
       </p:grpSpPr>
       <p:sp>
         <p:nvSpPr>
-          <p:cNvPr id="4" name="Rechteck 3"/>
-          <p:cNvSpPr/>
-          <p:nvPr/>
-        </p:nvSpPr>
-        <p:spPr>
-          <a:xfrm>
-            <a:off x="0" y="0"/>
-            <a:ext cx="12192000" cy="1481070"/>
-          </a:xfrm>
-          <a:prstGeom prst="rect">
-            <a:avLst/>
-          </a:prstGeom>
-          <a:solidFill>
-            <a:srgbClr val="D10505"/>
-          </a:solidFill>
-          <a:ln>
-            <a:noFill/>
-          </a:ln>
-        </p:spPr>
-        <p:style>
-          <a:lnRef idx="2">
-            <a:schemeClr val="accent1">
-              <a:shade val="50000"/>
-            </a:schemeClr>
-          </a:lnRef>
-          <a:fillRef idx="1">
-            <a:schemeClr val="accent1"/>
-          </a:fillRef>
-          <a:effectRef idx="0">
-            <a:schemeClr val="accent1"/>
-          </a:effectRef>
-          <a:fontRef idx="minor">
-            <a:schemeClr val="lt1"/>
-          </a:fontRef>
-        </p:style>
-        <p:txBody>
-          <a:bodyPr rtlCol="0" anchor="ctr"/>
-          <a:lstStyle/>
-          <a:p>
-            <a:pPr algn="ctr"/>
-            <a:endParaRPr lang="de-CH"/>
-          </a:p>
-        </p:txBody>
-      </p:sp>
-      <p:sp>
-        <p:nvSpPr>
           <p:cNvPr id="2" name="Titel 1"/>
           <p:cNvSpPr>
             <a:spLocks noGrp="1"/>
@@ -3937,7 +4212,7 @@
                   <a:schemeClr val="bg1"/>
                 </a:solidFill>
               </a:rPr>
-              <a:t>Datenpersistenz</a:t>
+              <a:t>Architekturdiagramm</a:t>
             </a:r>
             <a:endParaRPr lang="de-CH" sz="7200" b="1" dirty="0">
               <a:solidFill>
@@ -3949,62 +4224,62 @@
       </p:sp>
       <p:pic>
         <p:nvPicPr>
-          <p:cNvPr id="3" name="Grafik 2"/>
+          <p:cNvPr id="1026" name="Picture 2"/>
           <p:cNvPicPr>
-            <a:picLocks noChangeAspect="1"/>
+            <a:picLocks noChangeAspect="1" noChangeArrowheads="1"/>
           </p:cNvPicPr>
           <p:nvPr/>
         </p:nvPicPr>
         <p:blipFill>
-          <a:blip r:embed="rId2"/>
+          <a:blip r:embed="rId2">
+            <a:extLst>
+              <a:ext uri="{28A0092B-C50C-407E-A947-70E740481C1C}">
+                <a14:useLocalDpi xmlns:a14="http://schemas.microsoft.com/office/drawing/2010/main" val="0"/>
+              </a:ext>
+            </a:extLst>
+          </a:blip>
+          <a:srcRect/>
           <a:stretch>
             <a:fillRect/>
           </a:stretch>
         </p:blipFill>
-        <p:spPr>
-          <a:xfrm>
-            <a:off x="1332835" y="2637555"/>
-            <a:ext cx="9526329" cy="2715004"/>
-          </a:xfrm>
-          <a:prstGeom prst="rect">
-            <a:avLst/>
-          </a:prstGeom>
-        </p:spPr>
-      </p:pic>
-      <p:sp>
-        <p:nvSpPr>
-          <p:cNvPr id="7" name="Textfeld 6"/>
-          <p:cNvSpPr txBox="1"/>
-          <p:nvPr/>
-        </p:nvSpPr>
-        <p:spPr>
-          <a:xfrm>
-            <a:off x="145142" y="6361117"/>
-            <a:ext cx="9124742" cy="369332"/>
+        <p:spPr bwMode="auto">
+          <a:xfrm>
+            <a:off x="876300" y="71438"/>
+            <a:ext cx="10439400" cy="6715125"/>
           </a:xfrm>
           <a:prstGeom prst="rect">
             <a:avLst/>
           </a:prstGeom>
           <a:noFill/>
-        </p:spPr>
-        <p:txBody>
-          <a:bodyPr wrap="none" rtlCol="0">
-            <a:spAutoFit/>
-          </a:bodyPr>
-          <a:lstStyle/>
-          <a:p>
-            <a:r>
-              <a:rPr lang="de-CH" i="1" dirty="0" smtClean="0"/>
-              <a:t>Bildquelle: http://www.mongodb.com/sites/mongodb.com/files/media/mongodb-logo-rgb.jpeg</a:t>
-            </a:r>
-            <a:endParaRPr lang="de-CH" i="1" dirty="0"/>
-          </a:p>
-        </p:txBody>
-      </p:sp>
+          <a:ln>
+            <a:noFill/>
+          </a:ln>
+          <a:extLst>
+            <a:ext uri="{909E8E84-426E-40DD-AFC4-6F175D3DCCD1}">
+              <a14:hiddenFill xmlns:a14="http://schemas.microsoft.com/office/drawing/2010/main">
+                <a:solidFill>
+                  <a:schemeClr val="accent1"/>
+                </a:solidFill>
+              </a14:hiddenFill>
+            </a:ext>
+            <a:ext uri="{91240B29-F687-4F45-9708-019B960494DF}">
+              <a14:hiddenLine xmlns:a14="http://schemas.microsoft.com/office/drawing/2010/main" w="9525">
+                <a:solidFill>
+                  <a:schemeClr val="tx1"/>
+                </a:solidFill>
+                <a:miter lim="800000"/>
+                <a:headEnd/>
+                <a:tailEnd/>
+              </a14:hiddenLine>
+            </a:ext>
+          </a:extLst>
+        </p:spPr>
+      </p:pic>
     </p:spTree>
     <p:extLst>
       <p:ext uri="{BB962C8B-B14F-4D97-AF65-F5344CB8AC3E}">
-        <p14:creationId xmlns:p14="http://schemas.microsoft.com/office/powerpoint/2010/main" val="2703701593"/>
+        <p14:creationId xmlns:p14="http://schemas.microsoft.com/office/powerpoint/2010/main" val="2092509293"/>
       </p:ext>
     </p:extLst>
   </p:cSld>
@@ -4108,12 +4383,12 @@
           <a:p>
             <a:pPr algn="l"/>
             <a:r>
-              <a:rPr lang="de-CH" sz="7200" b="1" dirty="0" err="1" smtClean="0">
+              <a:rPr lang="de-CH" sz="7200" b="1" dirty="0" smtClean="0">
                 <a:solidFill>
                   <a:schemeClr val="bg1"/>
                 </a:solidFill>
               </a:rPr>
-              <a:t>mongoDB</a:t>
+              <a:t>Datenpersistenz</a:t>
             </a:r>
             <a:endParaRPr lang="de-CH" sz="7200" b="1" dirty="0">
               <a:solidFill>
@@ -4123,16 +4398,40 @@
           </a:p>
         </p:txBody>
       </p:sp>
-      <p:sp>
-        <p:nvSpPr>
-          <p:cNvPr id="5" name="Textfeld 4"/>
+      <p:pic>
+        <p:nvPicPr>
+          <p:cNvPr id="3" name="Grafik 2"/>
+          <p:cNvPicPr>
+            <a:picLocks noChangeAspect="1"/>
+          </p:cNvPicPr>
+          <p:nvPr/>
+        </p:nvPicPr>
+        <p:blipFill>
+          <a:blip r:embed="rId2"/>
+          <a:stretch>
+            <a:fillRect/>
+          </a:stretch>
+        </p:blipFill>
+        <p:spPr>
+          <a:xfrm>
+            <a:off x="1332835" y="2637555"/>
+            <a:ext cx="9526329" cy="2715004"/>
+          </a:xfrm>
+          <a:prstGeom prst="rect">
+            <a:avLst/>
+          </a:prstGeom>
+        </p:spPr>
+      </p:pic>
+      <p:sp>
+        <p:nvSpPr>
+          <p:cNvPr id="7" name="Textfeld 6"/>
           <p:cNvSpPr txBox="1"/>
           <p:nvPr/>
         </p:nvSpPr>
         <p:spPr>
           <a:xfrm>
-            <a:off x="551542" y="1932567"/>
-            <a:ext cx="3314049" cy="4247317"/>
+            <a:off x="145142" y="6361117"/>
+            <a:ext cx="9124742" cy="369332"/>
           </a:xfrm>
           <a:prstGeom prst="rect">
             <a:avLst/>
@@ -4145,79 +4444,18 @@
           </a:bodyPr>
           <a:lstStyle/>
           <a:p>
-            <a:pPr marL="285750" indent="-285750">
-              <a:lnSpc>
-                <a:spcPct val="150000"/>
-              </a:lnSpc>
-              <a:buFont typeface="Arial" panose="020B0604020202020204" pitchFamily="34" charset="0"/>
-              <a:buChar char="•"/>
-            </a:pPr>
-            <a:r>
-              <a:rPr lang="de-CH" sz="3600" dirty="0" err="1" smtClean="0"/>
-              <a:t>OpenSource</a:t>
-            </a:r>
-            <a:endParaRPr lang="de-CH" sz="3600" dirty="0"/>
-          </a:p>
-          <a:p>
-            <a:pPr marL="285750" indent="-285750">
-              <a:lnSpc>
-                <a:spcPct val="150000"/>
-              </a:lnSpc>
-              <a:buFont typeface="Arial" panose="020B0604020202020204" pitchFamily="34" charset="0"/>
-              <a:buChar char="•"/>
-            </a:pPr>
-            <a:r>
-              <a:rPr lang="de-CH" sz="3600" dirty="0" err="1" smtClean="0"/>
-              <a:t>NoSQL</a:t>
-            </a:r>
-            <a:endParaRPr lang="de-CH" sz="3600" dirty="0"/>
-          </a:p>
-          <a:p>
-            <a:pPr marL="285750" indent="-285750">
-              <a:lnSpc>
-                <a:spcPct val="150000"/>
-              </a:lnSpc>
-              <a:buFont typeface="Arial" panose="020B0604020202020204" pitchFamily="34" charset="0"/>
-              <a:buChar char="•"/>
-            </a:pPr>
-            <a:r>
-              <a:rPr lang="de-CH" sz="3600" dirty="0" smtClean="0"/>
-              <a:t>Weit verbreitet</a:t>
-            </a:r>
-          </a:p>
-          <a:p>
-            <a:pPr marL="285750" indent="-285750">
-              <a:lnSpc>
-                <a:spcPct val="150000"/>
-              </a:lnSpc>
-              <a:buFont typeface="Arial" panose="020B0604020202020204" pitchFamily="34" charset="0"/>
-              <a:buChar char="•"/>
-            </a:pPr>
-            <a:r>
-              <a:rPr lang="de-CH" sz="3600" dirty="0" smtClean="0"/>
-              <a:t>Lokal</a:t>
-            </a:r>
-          </a:p>
-          <a:p>
-            <a:pPr marL="285750" indent="-285750">
-              <a:lnSpc>
-                <a:spcPct val="150000"/>
-              </a:lnSpc>
-              <a:buFont typeface="Arial" panose="020B0604020202020204" pitchFamily="34" charset="0"/>
-              <a:buChar char="•"/>
-            </a:pPr>
-            <a:r>
-              <a:rPr lang="de-CH" sz="3600" dirty="0" smtClean="0"/>
-              <a:t>JSON</a:t>
-            </a:r>
-            <a:endParaRPr lang="de-CH" sz="3600" dirty="0"/>
+            <a:r>
+              <a:rPr lang="de-CH" i="1" dirty="0" smtClean="0"/>
+              <a:t>Bildquelle: http://www.mongodb.com/sites/mongodb.com/files/media/mongodb-logo-rgb.jpeg</a:t>
+            </a:r>
+            <a:endParaRPr lang="de-CH" i="1" dirty="0"/>
           </a:p>
         </p:txBody>
       </p:sp>
     </p:spTree>
     <p:extLst>
       <p:ext uri="{BB962C8B-B14F-4D97-AF65-F5344CB8AC3E}">
-        <p14:creationId xmlns:p14="http://schemas.microsoft.com/office/powerpoint/2010/main" val="982192119"/>
+        <p14:creationId xmlns:p14="http://schemas.microsoft.com/office/powerpoint/2010/main" val="2703701593"/>
       </p:ext>
     </p:extLst>
   </p:cSld>
@@ -4320,6 +4558,14 @@
           <a:lstStyle/>
           <a:p>
             <a:pPr algn="l"/>
+            <a:r>
+              <a:rPr lang="de-CH" sz="7200" b="1" dirty="0" err="1" smtClean="0">
+                <a:solidFill>
+                  <a:schemeClr val="bg1"/>
+                </a:solidFill>
+              </a:rPr>
+              <a:t>mongoDB</a:t>
+            </a:r>
             <a:endParaRPr lang="de-CH" sz="7200" b="1" dirty="0">
               <a:solidFill>
                 <a:schemeClr val="bg1"/>
@@ -4330,14 +4576,14 @@
       </p:sp>
       <p:sp>
         <p:nvSpPr>
-          <p:cNvPr id="7" name="Textfeld 6"/>
+          <p:cNvPr id="5" name="Textfeld 4"/>
           <p:cNvSpPr txBox="1"/>
           <p:nvPr/>
         </p:nvSpPr>
         <p:spPr>
           <a:xfrm>
-            <a:off x="471621" y="2032001"/>
-            <a:ext cx="237566" cy="369332"/>
+            <a:off x="551542" y="1932567"/>
+            <a:ext cx="3314049" cy="3416320"/>
           </a:xfrm>
           <a:prstGeom prst="rect">
             <a:avLst/>
@@ -4350,59 +4596,66 @@
           </a:bodyPr>
           <a:lstStyle/>
           <a:p>
-            <a:r>
-              <a:rPr lang="de-CH" dirty="0" smtClean="0"/>
-              <a:t> </a:t>
-            </a:r>
-            <a:endParaRPr lang="de-CH" dirty="0"/>
-          </a:p>
-        </p:txBody>
-      </p:sp>
-      <p:pic>
-        <p:nvPicPr>
-          <p:cNvPr id="1026" name="Picture 2" descr="C:\Users\James\workspaceLuna\PatientApp\doc\task09\soft-schema2.png"/>
-          <p:cNvPicPr>
-            <a:picLocks noChangeAspect="1" noChangeArrowheads="1"/>
-          </p:cNvPicPr>
-          <p:nvPr/>
-        </p:nvPicPr>
-        <p:blipFill>
-          <a:blip r:embed="rId2">
-            <a:extLst>
-              <a:ext uri="{28A0092B-C50C-407E-A947-70E740481C1C}">
-                <a14:useLocalDpi xmlns:a14="http://schemas.microsoft.com/office/drawing/2010/main" val="0"/>
-              </a:ext>
-            </a:extLst>
-          </a:blip>
-          <a:srcRect/>
-          <a:stretch>
-            <a:fillRect/>
-          </a:stretch>
-        </p:blipFill>
-        <p:spPr bwMode="auto">
-          <a:xfrm>
-            <a:off x="1381910" y="-43528"/>
-            <a:ext cx="9428180" cy="6977728"/>
-          </a:xfrm>
-          <a:prstGeom prst="rect">
-            <a:avLst/>
-          </a:prstGeom>
-          <a:noFill/>
-          <a:extLst>
-            <a:ext uri="{909E8E84-426E-40DD-AFC4-6F175D3DCCD1}">
-              <a14:hiddenFill xmlns:a14="http://schemas.microsoft.com/office/drawing/2010/main">
-                <a:solidFill>
-                  <a:srgbClr val="FFFFFF"/>
-                </a:solidFill>
-              </a14:hiddenFill>
-            </a:ext>
-          </a:extLst>
-        </p:spPr>
-      </p:pic>
+            <a:pPr marL="285750" indent="-285750">
+              <a:lnSpc>
+                <a:spcPct val="150000"/>
+              </a:lnSpc>
+              <a:buFont typeface="Arial" panose="020B0604020202020204" pitchFamily="34" charset="0"/>
+              <a:buChar char="•"/>
+            </a:pPr>
+            <a:r>
+              <a:rPr lang="de-CH" sz="3600" dirty="0" err="1" smtClean="0"/>
+              <a:t>OpenSource</a:t>
+            </a:r>
+            <a:endParaRPr lang="de-CH" sz="3600" dirty="0"/>
+          </a:p>
+          <a:p>
+            <a:pPr marL="285750" indent="-285750">
+              <a:lnSpc>
+                <a:spcPct val="150000"/>
+              </a:lnSpc>
+              <a:buFont typeface="Arial" panose="020B0604020202020204" pitchFamily="34" charset="0"/>
+              <a:buChar char="•"/>
+            </a:pPr>
+            <a:r>
+              <a:rPr lang="de-CH" sz="3600" dirty="0" err="1" smtClean="0"/>
+              <a:t>NoSQL</a:t>
+            </a:r>
+            <a:endParaRPr lang="de-CH" sz="3600" dirty="0"/>
+          </a:p>
+          <a:p>
+            <a:pPr marL="285750" indent="-285750">
+              <a:lnSpc>
+                <a:spcPct val="150000"/>
+              </a:lnSpc>
+              <a:buFont typeface="Arial" panose="020B0604020202020204" pitchFamily="34" charset="0"/>
+              <a:buChar char="•"/>
+            </a:pPr>
+            <a:r>
+              <a:rPr lang="de-CH" sz="3600" dirty="0" smtClean="0"/>
+              <a:t>Weit verbreitet</a:t>
+            </a:r>
+          </a:p>
+          <a:p>
+            <a:pPr marL="285750" indent="-285750">
+              <a:lnSpc>
+                <a:spcPct val="150000"/>
+              </a:lnSpc>
+              <a:buFont typeface="Arial" panose="020B0604020202020204" pitchFamily="34" charset="0"/>
+              <a:buChar char="•"/>
+            </a:pPr>
+            <a:r>
+              <a:rPr lang="de-CH" sz="3600" dirty="0" smtClean="0"/>
+              <a:t>JSON</a:t>
+            </a:r>
+            <a:endParaRPr lang="de-CH" sz="3600" dirty="0"/>
+          </a:p>
+        </p:txBody>
+      </p:sp>
     </p:spTree>
     <p:extLst>
       <p:ext uri="{BB962C8B-B14F-4D97-AF65-F5344CB8AC3E}">
-        <p14:creationId xmlns:p14="http://schemas.microsoft.com/office/powerpoint/2010/main" val="3738221479"/>
+        <p14:creationId xmlns:p14="http://schemas.microsoft.com/office/powerpoint/2010/main" val="982192119"/>
       </p:ext>
     </p:extLst>
   </p:cSld>
@@ -4438,92 +4691,37 @@
       </p:grpSpPr>
       <p:sp>
         <p:nvSpPr>
-          <p:cNvPr id="4" name="Rechteck 3"/>
-          <p:cNvSpPr/>
+          <p:cNvPr id="7" name="Textfeld 6"/>
+          <p:cNvSpPr txBox="1"/>
           <p:nvPr/>
         </p:nvSpPr>
         <p:spPr>
           <a:xfrm>
-            <a:off x="0" y="0"/>
-            <a:ext cx="12192000" cy="1481070"/>
+            <a:off x="471621" y="2032001"/>
+            <a:ext cx="237566" cy="369332"/>
           </a:xfrm>
           <a:prstGeom prst="rect">
             <a:avLst/>
           </a:prstGeom>
-          <a:solidFill>
-            <a:srgbClr val="D10505"/>
-          </a:solidFill>
-          <a:ln>
-            <a:noFill/>
-          </a:ln>
-        </p:spPr>
-        <p:style>
-          <a:lnRef idx="2">
-            <a:schemeClr val="accent1">
-              <a:shade val="50000"/>
-            </a:schemeClr>
-          </a:lnRef>
-          <a:fillRef idx="1">
-            <a:schemeClr val="accent1"/>
-          </a:fillRef>
-          <a:effectRef idx="0">
-            <a:schemeClr val="accent1"/>
-          </a:effectRef>
-          <a:fontRef idx="minor">
-            <a:schemeClr val="lt1"/>
-          </a:fontRef>
-        </p:style>
-        <p:txBody>
-          <a:bodyPr rtlCol="0" anchor="ctr"/>
-          <a:lstStyle/>
-          <a:p>
-            <a:pPr algn="ctr"/>
-            <a:endParaRPr lang="de-CH"/>
-          </a:p>
-        </p:txBody>
-      </p:sp>
-      <p:sp>
-        <p:nvSpPr>
-          <p:cNvPr id="2" name="Titel 1"/>
-          <p:cNvSpPr>
-            <a:spLocks noGrp="1"/>
-          </p:cNvSpPr>
-          <p:nvPr>
-            <p:ph type="ctrTitle"/>
-          </p:nvPr>
-        </p:nvSpPr>
-        <p:spPr>
-          <a:xfrm>
-            <a:off x="145142" y="117668"/>
-            <a:ext cx="9144000" cy="1245734"/>
-          </a:xfrm>
-        </p:spPr>
-        <p:txBody>
-          <a:bodyPr>
-            <a:normAutofit/>
+          <a:noFill/>
+        </p:spPr>
+        <p:txBody>
+          <a:bodyPr wrap="none" rtlCol="0">
+            <a:spAutoFit/>
           </a:bodyPr>
           <a:lstStyle/>
           <a:p>
-            <a:pPr algn="l"/>
-            <a:r>
-              <a:rPr lang="de-CH" sz="7200" b="1" dirty="0" smtClean="0">
-                <a:solidFill>
-                  <a:schemeClr val="bg1"/>
-                </a:solidFill>
-              </a:rPr>
-              <a:t>Fragen?</a:t>
-            </a:r>
-            <a:endParaRPr lang="de-CH" sz="7200" b="1" dirty="0">
-              <a:solidFill>
-                <a:schemeClr val="bg1"/>
-              </a:solidFill>
-            </a:endParaRPr>
+            <a:r>
+              <a:rPr lang="de-CH" dirty="0" smtClean="0"/>
+              <a:t> </a:t>
+            </a:r>
+            <a:endParaRPr lang="de-CH" dirty="0"/>
           </a:p>
         </p:txBody>
       </p:sp>
       <p:pic>
         <p:nvPicPr>
-          <p:cNvPr id="6146" name="Picture 2" descr="https://s-media-cache-ak0.pinimg.com/236x/de/9f/c2/de9fc2d4e6946bab72e9898f73feba67.jpg"/>
+          <p:cNvPr id="1026" name="Picture 2" descr="C:\Users\James\workspaceLuna\PatientApp\doc\task09\soft-schema2.png"/>
           <p:cNvPicPr>
             <a:picLocks noChangeAspect="1" noChangeArrowheads="1"/>
           </p:cNvPicPr>
@@ -4544,8 +4742,8 @@
         </p:blipFill>
         <p:spPr bwMode="auto">
           <a:xfrm>
-            <a:off x="4379959" y="1540682"/>
-            <a:ext cx="3432081" cy="5235380"/>
+            <a:off x="2193853" y="1481070"/>
+            <a:ext cx="7431381" cy="5499912"/>
           </a:xfrm>
           <a:prstGeom prst="rect">
             <a:avLst/>
@@ -4564,38 +4762,101 @@
       </p:pic>
       <p:sp>
         <p:nvSpPr>
-          <p:cNvPr id="5" name="Textfeld 4"/>
-          <p:cNvSpPr txBox="1"/>
+          <p:cNvPr id="6" name="Rechteck 5"/>
+          <p:cNvSpPr/>
           <p:nvPr/>
         </p:nvSpPr>
         <p:spPr>
           <a:xfrm>
-            <a:off x="145142" y="6361117"/>
-            <a:ext cx="2470548" cy="369332"/>
+            <a:off x="0" y="0"/>
+            <a:ext cx="12192000" cy="1481070"/>
           </a:xfrm>
           <a:prstGeom prst="rect">
             <a:avLst/>
           </a:prstGeom>
-          <a:noFill/>
-        </p:spPr>
-        <p:txBody>
-          <a:bodyPr wrap="none" rtlCol="0">
-            <a:spAutoFit/>
+          <a:solidFill>
+            <a:srgbClr val="D10505"/>
+          </a:solidFill>
+          <a:ln>
+            <a:noFill/>
+          </a:ln>
+        </p:spPr>
+        <p:style>
+          <a:lnRef idx="2">
+            <a:schemeClr val="accent1">
+              <a:shade val="50000"/>
+            </a:schemeClr>
+          </a:lnRef>
+          <a:fillRef idx="1">
+            <a:schemeClr val="accent1"/>
+          </a:fillRef>
+          <a:effectRef idx="0">
+            <a:schemeClr val="accent1"/>
+          </a:effectRef>
+          <a:fontRef idx="minor">
+            <a:schemeClr val="lt1"/>
+          </a:fontRef>
+        </p:style>
+        <p:txBody>
+          <a:bodyPr rtlCol="0" anchor="ctr"/>
+          <a:lstStyle/>
+          <a:p>
+            <a:pPr algn="ctr"/>
+            <a:endParaRPr lang="de-CH"/>
+          </a:p>
+        </p:txBody>
+      </p:sp>
+      <p:sp>
+        <p:nvSpPr>
+          <p:cNvPr id="8" name="Titel 1"/>
+          <p:cNvSpPr>
+            <a:spLocks noGrp="1"/>
+          </p:cNvSpPr>
+          <p:nvPr>
+            <p:ph type="ctrTitle"/>
+          </p:nvPr>
+        </p:nvSpPr>
+        <p:spPr>
+          <a:xfrm>
+            <a:off x="145142" y="117668"/>
+            <a:ext cx="9144000" cy="1245734"/>
+          </a:xfrm>
+        </p:spPr>
+        <p:txBody>
+          <a:bodyPr>
+            <a:normAutofit/>
           </a:bodyPr>
           <a:lstStyle/>
           <a:p>
-            <a:r>
-              <a:rPr lang="de-CH" i="1" dirty="0" smtClean="0"/>
-              <a:t>Bildquelle: Google Bilder</a:t>
-            </a:r>
-            <a:endParaRPr lang="de-CH" i="1" dirty="0"/>
+            <a:pPr algn="l"/>
+            <a:r>
+              <a:rPr lang="de-CH" sz="7200" b="1" dirty="0" err="1" smtClean="0">
+                <a:solidFill>
+                  <a:schemeClr val="bg1"/>
+                </a:solidFill>
+              </a:rPr>
+              <a:t>mongoDB</a:t>
+            </a:r>
+            <a:r>
+              <a:rPr lang="de-CH" sz="7200" b="1" dirty="0" smtClean="0">
+                <a:solidFill>
+                  <a:schemeClr val="bg1"/>
+                </a:solidFill>
+              </a:rPr>
+              <a:t> – ein Beispiel</a:t>
+            </a:r>
+            <a:endParaRPr lang="de-CH" sz="7200" b="1" dirty="0">
+              <a:solidFill>
+                <a:schemeClr val="bg1"/>
+              </a:solidFill>
+            </a:endParaRPr>
           </a:p>
         </p:txBody>
       </p:sp>
     </p:spTree>
     <p:extLst>
       <p:ext uri="{BB962C8B-B14F-4D97-AF65-F5344CB8AC3E}">
-        <p14:creationId xmlns:p14="http://schemas.microsoft.com/office/powerpoint/2010/main" val="2657214528"/>
+        <p14:creationId xmlns:p14="http://schemas.microsoft.com/office/powerpoint/2010/main" val="3738221479"/>
       </p:ext>
     </p:extLst>
   </p:cSld>

--- a/doc/task09/Softwarearchitektur.pptx
+++ b/doc/task09/Softwarearchitektur.pptx
@@ -10,11 +10,13 @@
     <p:sldId id="259" r:id="rId4"/>
     <p:sldId id="263" r:id="rId5"/>
     <p:sldId id="265" r:id="rId6"/>
-    <p:sldId id="260" r:id="rId7"/>
-    <p:sldId id="258" r:id="rId8"/>
-    <p:sldId id="262" r:id="rId9"/>
-    <p:sldId id="264" r:id="rId10"/>
-    <p:sldId id="261" r:id="rId11"/>
+    <p:sldId id="268" r:id="rId7"/>
+    <p:sldId id="267" r:id="rId8"/>
+    <p:sldId id="260" r:id="rId9"/>
+    <p:sldId id="258" r:id="rId10"/>
+    <p:sldId id="262" r:id="rId11"/>
+    <p:sldId id="264" r:id="rId12"/>
+    <p:sldId id="261" r:id="rId13"/>
   </p:sldIdLst>
   <p:sldSz cx="12192000" cy="6858000"/>
   <p:notesSz cx="6858000" cy="9144000"/>
@@ -115,7 +117,7 @@
   </p:defaultTextStyle>
   <p:extLst>
     <p:ext uri="{EFAFB233-063F-42B5-8137-9DF3F51BA10A}">
-      <p15:sldGuideLst xmlns:p15="http://schemas.microsoft.com/office/powerpoint/2012/main">
+      <p15:sldGuideLst xmlns:p15="http://schemas.microsoft.com/office/powerpoint/2012/main" xmlns="">
         <p15:guide id="1" orient="horz" pos="2160">
           <p15:clr>
             <a:srgbClr val="A4A3A4"/>
@@ -3233,6 +3235,407 @@
           <a:p>
             <a:pPr algn="l"/>
             <a:r>
+              <a:rPr lang="de-CH" sz="7200" b="1" dirty="0" err="1" smtClean="0">
+                <a:solidFill>
+                  <a:schemeClr val="bg1"/>
+                </a:solidFill>
+              </a:rPr>
+              <a:t>mongoDB</a:t>
+            </a:r>
+            <a:endParaRPr lang="de-CH" sz="7200" b="1" dirty="0">
+              <a:solidFill>
+                <a:schemeClr val="bg1"/>
+              </a:solidFill>
+            </a:endParaRPr>
+          </a:p>
+        </p:txBody>
+      </p:sp>
+      <p:sp>
+        <p:nvSpPr>
+          <p:cNvPr id="5" name="Textfeld 4"/>
+          <p:cNvSpPr txBox="1"/>
+          <p:nvPr/>
+        </p:nvSpPr>
+        <p:spPr>
+          <a:xfrm>
+            <a:off x="551542" y="1932567"/>
+            <a:ext cx="3314049" cy="3416320"/>
+          </a:xfrm>
+          <a:prstGeom prst="rect">
+            <a:avLst/>
+          </a:prstGeom>
+          <a:noFill/>
+        </p:spPr>
+        <p:txBody>
+          <a:bodyPr wrap="none" rtlCol="0">
+            <a:spAutoFit/>
+          </a:bodyPr>
+          <a:lstStyle/>
+          <a:p>
+            <a:pPr marL="285750" indent="-285750">
+              <a:lnSpc>
+                <a:spcPct val="150000"/>
+              </a:lnSpc>
+              <a:buFont typeface="Arial" panose="020B0604020202020204" pitchFamily="34" charset="0"/>
+              <a:buChar char="•"/>
+            </a:pPr>
+            <a:r>
+              <a:rPr lang="de-CH" sz="3600" dirty="0" err="1" smtClean="0"/>
+              <a:t>OpenSource</a:t>
+            </a:r>
+            <a:endParaRPr lang="de-CH" sz="3600" dirty="0"/>
+          </a:p>
+          <a:p>
+            <a:pPr marL="285750" indent="-285750">
+              <a:lnSpc>
+                <a:spcPct val="150000"/>
+              </a:lnSpc>
+              <a:buFont typeface="Arial" panose="020B0604020202020204" pitchFamily="34" charset="0"/>
+              <a:buChar char="•"/>
+            </a:pPr>
+            <a:r>
+              <a:rPr lang="de-CH" sz="3600" dirty="0" err="1" smtClean="0"/>
+              <a:t>NoSQL</a:t>
+            </a:r>
+            <a:endParaRPr lang="de-CH" sz="3600" dirty="0"/>
+          </a:p>
+          <a:p>
+            <a:pPr marL="285750" indent="-285750">
+              <a:lnSpc>
+                <a:spcPct val="150000"/>
+              </a:lnSpc>
+              <a:buFont typeface="Arial" panose="020B0604020202020204" pitchFamily="34" charset="0"/>
+              <a:buChar char="•"/>
+            </a:pPr>
+            <a:r>
+              <a:rPr lang="de-CH" sz="3600" dirty="0" smtClean="0"/>
+              <a:t>Weit verbreitet</a:t>
+            </a:r>
+          </a:p>
+          <a:p>
+            <a:pPr marL="285750" indent="-285750">
+              <a:lnSpc>
+                <a:spcPct val="150000"/>
+              </a:lnSpc>
+              <a:buFont typeface="Arial" panose="020B0604020202020204" pitchFamily="34" charset="0"/>
+              <a:buChar char="•"/>
+            </a:pPr>
+            <a:r>
+              <a:rPr lang="de-CH" sz="3600" dirty="0" smtClean="0"/>
+              <a:t>JSON</a:t>
+            </a:r>
+            <a:endParaRPr lang="de-CH" sz="3600" dirty="0"/>
+          </a:p>
+        </p:txBody>
+      </p:sp>
+    </p:spTree>
+    <p:extLst>
+      <p:ext uri="{BB962C8B-B14F-4D97-AF65-F5344CB8AC3E}">
+        <p14:creationId xmlns:p14="http://schemas.microsoft.com/office/powerpoint/2010/main" val="982192119"/>
+      </p:ext>
+    </p:extLst>
+  </p:cSld>
+  <p:clrMapOvr>
+    <a:masterClrMapping/>
+  </p:clrMapOvr>
+  <p:timing>
+    <p:tnLst>
+      <p:par>
+        <p:cTn id="1" dur="indefinite" restart="never" nodeType="tmRoot"/>
+      </p:par>
+    </p:tnLst>
+  </p:timing>
+</p:sld>
+</file>
+
+<file path=ppt/slides/slide11.xml><?xml version="1.0" encoding="utf-8"?>
+<p:sld xmlns:a="http://schemas.openxmlformats.org/drawingml/2006/main" xmlns:r="http://schemas.openxmlformats.org/officeDocument/2006/relationships" xmlns:p="http://schemas.openxmlformats.org/presentationml/2006/main">
+  <p:cSld>
+    <p:spTree>
+      <p:nvGrpSpPr>
+        <p:cNvPr id="1" name=""/>
+        <p:cNvGrpSpPr/>
+        <p:nvPr/>
+      </p:nvGrpSpPr>
+      <p:grpSpPr>
+        <a:xfrm>
+          <a:off x="0" y="0"/>
+          <a:ext cx="0" cy="0"/>
+          <a:chOff x="0" y="0"/>
+          <a:chExt cx="0" cy="0"/>
+        </a:xfrm>
+      </p:grpSpPr>
+      <p:sp>
+        <p:nvSpPr>
+          <p:cNvPr id="7" name="Textfeld 6"/>
+          <p:cNvSpPr txBox="1"/>
+          <p:nvPr/>
+        </p:nvSpPr>
+        <p:spPr>
+          <a:xfrm>
+            <a:off x="471621" y="2032001"/>
+            <a:ext cx="237566" cy="369332"/>
+          </a:xfrm>
+          <a:prstGeom prst="rect">
+            <a:avLst/>
+          </a:prstGeom>
+          <a:noFill/>
+        </p:spPr>
+        <p:txBody>
+          <a:bodyPr wrap="none" rtlCol="0">
+            <a:spAutoFit/>
+          </a:bodyPr>
+          <a:lstStyle/>
+          <a:p>
+            <a:r>
+              <a:rPr lang="de-CH" dirty="0" smtClean="0"/>
+              <a:t> </a:t>
+            </a:r>
+            <a:endParaRPr lang="de-CH" dirty="0"/>
+          </a:p>
+        </p:txBody>
+      </p:sp>
+      <p:pic>
+        <p:nvPicPr>
+          <p:cNvPr id="1026" name="Picture 2" descr="C:\Users\James\workspaceLuna\PatientApp\doc\task09\soft-schema2.png"/>
+          <p:cNvPicPr>
+            <a:picLocks noChangeAspect="1" noChangeArrowheads="1"/>
+          </p:cNvPicPr>
+          <p:nvPr/>
+        </p:nvPicPr>
+        <p:blipFill>
+          <a:blip r:embed="rId2">
+            <a:extLst>
+              <a:ext uri="{28A0092B-C50C-407E-A947-70E740481C1C}">
+                <a14:useLocalDpi xmlns:a14="http://schemas.microsoft.com/office/drawing/2010/main" val="0"/>
+              </a:ext>
+            </a:extLst>
+          </a:blip>
+          <a:srcRect/>
+          <a:stretch>
+            <a:fillRect/>
+          </a:stretch>
+        </p:blipFill>
+        <p:spPr bwMode="auto">
+          <a:xfrm>
+            <a:off x="2193853" y="1481070"/>
+            <a:ext cx="7431381" cy="5499912"/>
+          </a:xfrm>
+          <a:prstGeom prst="rect">
+            <a:avLst/>
+          </a:prstGeom>
+          <a:noFill/>
+          <a:extLst>
+            <a:ext uri="{909E8E84-426E-40DD-AFC4-6F175D3DCCD1}">
+              <a14:hiddenFill xmlns:a14="http://schemas.microsoft.com/office/drawing/2010/main">
+                <a:solidFill>
+                  <a:srgbClr val="FFFFFF"/>
+                </a:solidFill>
+              </a14:hiddenFill>
+            </a:ext>
+          </a:extLst>
+        </p:spPr>
+      </p:pic>
+      <p:sp>
+        <p:nvSpPr>
+          <p:cNvPr id="6" name="Rechteck 5"/>
+          <p:cNvSpPr/>
+          <p:nvPr/>
+        </p:nvSpPr>
+        <p:spPr>
+          <a:xfrm>
+            <a:off x="0" y="0"/>
+            <a:ext cx="12192000" cy="1481070"/>
+          </a:xfrm>
+          <a:prstGeom prst="rect">
+            <a:avLst/>
+          </a:prstGeom>
+          <a:solidFill>
+            <a:srgbClr val="D10505"/>
+          </a:solidFill>
+          <a:ln>
+            <a:noFill/>
+          </a:ln>
+        </p:spPr>
+        <p:style>
+          <a:lnRef idx="2">
+            <a:schemeClr val="accent1">
+              <a:shade val="50000"/>
+            </a:schemeClr>
+          </a:lnRef>
+          <a:fillRef idx="1">
+            <a:schemeClr val="accent1"/>
+          </a:fillRef>
+          <a:effectRef idx="0">
+            <a:schemeClr val="accent1"/>
+          </a:effectRef>
+          <a:fontRef idx="minor">
+            <a:schemeClr val="lt1"/>
+          </a:fontRef>
+        </p:style>
+        <p:txBody>
+          <a:bodyPr rtlCol="0" anchor="ctr"/>
+          <a:lstStyle/>
+          <a:p>
+            <a:pPr algn="ctr"/>
+            <a:endParaRPr lang="de-CH"/>
+          </a:p>
+        </p:txBody>
+      </p:sp>
+      <p:sp>
+        <p:nvSpPr>
+          <p:cNvPr id="8" name="Titel 1"/>
+          <p:cNvSpPr>
+            <a:spLocks noGrp="1"/>
+          </p:cNvSpPr>
+          <p:nvPr>
+            <p:ph type="ctrTitle"/>
+          </p:nvPr>
+        </p:nvSpPr>
+        <p:spPr>
+          <a:xfrm>
+            <a:off x="145142" y="117668"/>
+            <a:ext cx="9144000" cy="1245734"/>
+          </a:xfrm>
+        </p:spPr>
+        <p:txBody>
+          <a:bodyPr>
+            <a:normAutofit/>
+          </a:bodyPr>
+          <a:lstStyle/>
+          <a:p>
+            <a:pPr algn="l"/>
+            <a:r>
+              <a:rPr lang="de-CH" sz="7200" b="1" dirty="0" err="1" smtClean="0">
+                <a:solidFill>
+                  <a:schemeClr val="bg1"/>
+                </a:solidFill>
+              </a:rPr>
+              <a:t>mongoDB</a:t>
+            </a:r>
+            <a:r>
+              <a:rPr lang="de-CH" sz="7200" b="1" dirty="0" smtClean="0">
+                <a:solidFill>
+                  <a:schemeClr val="bg1"/>
+                </a:solidFill>
+              </a:rPr>
+              <a:t> – ein Beispiel</a:t>
+            </a:r>
+            <a:endParaRPr lang="de-CH" sz="7200" b="1" dirty="0">
+              <a:solidFill>
+                <a:schemeClr val="bg1"/>
+              </a:solidFill>
+            </a:endParaRPr>
+          </a:p>
+        </p:txBody>
+      </p:sp>
+    </p:spTree>
+    <p:extLst>
+      <p:ext uri="{BB962C8B-B14F-4D97-AF65-F5344CB8AC3E}">
+        <p14:creationId xmlns:p14="http://schemas.microsoft.com/office/powerpoint/2010/main" val="3738221479"/>
+      </p:ext>
+    </p:extLst>
+  </p:cSld>
+  <p:clrMapOvr>
+    <a:masterClrMapping/>
+  </p:clrMapOvr>
+  <p:timing>
+    <p:tnLst>
+      <p:par>
+        <p:cTn id="1" dur="indefinite" restart="never" nodeType="tmRoot"/>
+      </p:par>
+    </p:tnLst>
+  </p:timing>
+</p:sld>
+</file>
+
+<file path=ppt/slides/slide12.xml><?xml version="1.0" encoding="utf-8"?>
+<p:sld xmlns:a="http://schemas.openxmlformats.org/drawingml/2006/main" xmlns:r="http://schemas.openxmlformats.org/officeDocument/2006/relationships" xmlns:p="http://schemas.openxmlformats.org/presentationml/2006/main">
+  <p:cSld>
+    <p:spTree>
+      <p:nvGrpSpPr>
+        <p:cNvPr id="1" name=""/>
+        <p:cNvGrpSpPr/>
+        <p:nvPr/>
+      </p:nvGrpSpPr>
+      <p:grpSpPr>
+        <a:xfrm>
+          <a:off x="0" y="0"/>
+          <a:ext cx="0" cy="0"/>
+          <a:chOff x="0" y="0"/>
+          <a:chExt cx="0" cy="0"/>
+        </a:xfrm>
+      </p:grpSpPr>
+      <p:sp>
+        <p:nvSpPr>
+          <p:cNvPr id="4" name="Rechteck 3"/>
+          <p:cNvSpPr/>
+          <p:nvPr/>
+        </p:nvSpPr>
+        <p:spPr>
+          <a:xfrm>
+            <a:off x="0" y="0"/>
+            <a:ext cx="12192000" cy="1481070"/>
+          </a:xfrm>
+          <a:prstGeom prst="rect">
+            <a:avLst/>
+          </a:prstGeom>
+          <a:solidFill>
+            <a:srgbClr val="D10505"/>
+          </a:solidFill>
+          <a:ln>
+            <a:noFill/>
+          </a:ln>
+        </p:spPr>
+        <p:style>
+          <a:lnRef idx="2">
+            <a:schemeClr val="accent1">
+              <a:shade val="50000"/>
+            </a:schemeClr>
+          </a:lnRef>
+          <a:fillRef idx="1">
+            <a:schemeClr val="accent1"/>
+          </a:fillRef>
+          <a:effectRef idx="0">
+            <a:schemeClr val="accent1"/>
+          </a:effectRef>
+          <a:fontRef idx="minor">
+            <a:schemeClr val="lt1"/>
+          </a:fontRef>
+        </p:style>
+        <p:txBody>
+          <a:bodyPr rtlCol="0" anchor="ctr"/>
+          <a:lstStyle/>
+          <a:p>
+            <a:pPr algn="ctr"/>
+            <a:endParaRPr lang="de-CH"/>
+          </a:p>
+        </p:txBody>
+      </p:sp>
+      <p:sp>
+        <p:nvSpPr>
+          <p:cNvPr id="2" name="Titel 1"/>
+          <p:cNvSpPr>
+            <a:spLocks noGrp="1"/>
+          </p:cNvSpPr>
+          <p:nvPr>
+            <p:ph type="ctrTitle"/>
+          </p:nvPr>
+        </p:nvSpPr>
+        <p:spPr>
+          <a:xfrm>
+            <a:off x="145142" y="117668"/>
+            <a:ext cx="9144000" cy="1245734"/>
+          </a:xfrm>
+        </p:spPr>
+        <p:txBody>
+          <a:bodyPr>
+            <a:normAutofit/>
+          </a:bodyPr>
+          <a:lstStyle/>
+          <a:p>
+            <a:pPr algn="l"/>
+            <a:r>
               <a:rPr lang="de-CH" sz="7200" b="1" dirty="0" smtClean="0">
                 <a:solidFill>
                   <a:schemeClr val="bg1"/>
@@ -4082,7 +4485,7 @@
                   <a:schemeClr val="bg1"/>
                 </a:solidFill>
               </a:rPr>
-              <a:t>Unsere Implementierung</a:t>
+              <a:t>Package Diagramm</a:t>
             </a:r>
             <a:endParaRPr lang="de-CH" sz="7200" b="1" dirty="0">
               <a:solidFill>
@@ -4094,26 +4497,43 @@
       </p:sp>
       <p:pic>
         <p:nvPicPr>
-          <p:cNvPr id="3" name="Grafik 2"/>
+          <p:cNvPr id="2051" name="Picture 3" descr="C:\Users\James\workspaceLuna\PatientApp\doc\task09\packageDiagramm.png"/>
           <p:cNvPicPr>
-            <a:picLocks noChangeAspect="1"/>
+            <a:picLocks noChangeAspect="1" noChangeArrowheads="1"/>
           </p:cNvPicPr>
           <p:nvPr/>
         </p:nvPicPr>
         <p:blipFill>
-          <a:blip r:embed="rId2"/>
+          <a:blip r:embed="rId2">
+            <a:extLst>
+              <a:ext uri="{28A0092B-C50C-407E-A947-70E740481C1C}">
+                <a14:useLocalDpi xmlns:a14="http://schemas.microsoft.com/office/drawing/2010/main" val="0"/>
+              </a:ext>
+            </a:extLst>
+          </a:blip>
+          <a:srcRect/>
           <a:stretch>
             <a:fillRect/>
           </a:stretch>
         </p:blipFill>
-        <p:spPr>
-          <a:xfrm>
-            <a:off x="1542707" y="1478922"/>
-            <a:ext cx="8880580" cy="5157662"/>
+        <p:spPr bwMode="auto">
+          <a:xfrm>
+            <a:off x="1219427" y="1908402"/>
+            <a:ext cx="9811430" cy="4288829"/>
           </a:xfrm>
           <a:prstGeom prst="rect">
             <a:avLst/>
           </a:prstGeom>
+          <a:noFill/>
+          <a:extLst>
+            <a:ext uri="{909E8E84-426E-40DD-AFC4-6F175D3DCCD1}">
+              <a14:hiddenFill xmlns:a14="http://schemas.microsoft.com/office/drawing/2010/main">
+                <a:solidFill>
+                  <a:srgbClr val="FFFFFF"/>
+                </a:solidFill>
+              </a14:hiddenFill>
+            </a:ext>
+          </a:extLst>
         </p:spPr>
       </p:pic>
     </p:spTree>
@@ -4192,6 +4612,110 @@
           </a:p>
         </p:txBody>
       </p:sp>
+      <p:sp>
+        <p:nvSpPr>
+          <p:cNvPr id="5" name="Rechteck 4"/>
+          <p:cNvSpPr/>
+          <p:nvPr/>
+        </p:nvSpPr>
+        <p:spPr>
+          <a:xfrm>
+            <a:off x="-15027" y="-2148"/>
+            <a:ext cx="12192000" cy="1481070"/>
+          </a:xfrm>
+          <a:prstGeom prst="rect">
+            <a:avLst/>
+          </a:prstGeom>
+          <a:solidFill>
+            <a:srgbClr val="D10505"/>
+          </a:solidFill>
+          <a:ln>
+            <a:noFill/>
+          </a:ln>
+        </p:spPr>
+        <p:style>
+          <a:lnRef idx="2">
+            <a:schemeClr val="accent1">
+              <a:shade val="50000"/>
+            </a:schemeClr>
+          </a:lnRef>
+          <a:fillRef idx="1">
+            <a:schemeClr val="accent1"/>
+          </a:fillRef>
+          <a:effectRef idx="0">
+            <a:schemeClr val="accent1"/>
+          </a:effectRef>
+          <a:fontRef idx="minor">
+            <a:schemeClr val="lt1"/>
+          </a:fontRef>
+        </p:style>
+        <p:txBody>
+          <a:bodyPr rtlCol="0" anchor="ctr"/>
+          <a:lstStyle/>
+          <a:p>
+            <a:pPr algn="ctr"/>
+            <a:endParaRPr lang="de-CH"/>
+          </a:p>
+        </p:txBody>
+      </p:sp>
+      <p:sp>
+        <p:nvSpPr>
+          <p:cNvPr id="6" name="Titel 1"/>
+          <p:cNvSpPr txBox="1">
+            <a:spLocks/>
+          </p:cNvSpPr>
+          <p:nvPr/>
+        </p:nvSpPr>
+        <p:spPr>
+          <a:xfrm>
+            <a:off x="130114" y="115520"/>
+            <a:ext cx="10430561" cy="1245734"/>
+          </a:xfrm>
+          <a:prstGeom prst="rect">
+            <a:avLst/>
+          </a:prstGeom>
+        </p:spPr>
+        <p:txBody>
+          <a:bodyPr vert="horz" lIns="91440" tIns="45720" rIns="91440" bIns="45720" rtlCol="0" anchor="b">
+            <a:normAutofit/>
+          </a:bodyPr>
+          <a:lstStyle>
+            <a:lvl1pPr algn="ctr" defTabSz="914400" rtl="0" eaLnBrk="1" latinLnBrk="0" hangingPunct="1">
+              <a:lnSpc>
+                <a:spcPct val="90000"/>
+              </a:lnSpc>
+              <a:spcBef>
+                <a:spcPct val="0"/>
+              </a:spcBef>
+              <a:buNone/>
+              <a:defRPr sz="6000" kern="1200">
+                <a:solidFill>
+                  <a:schemeClr val="tx1"/>
+                </a:solidFill>
+                <a:latin typeface="+mj-lt"/>
+                <a:ea typeface="+mj-ea"/>
+                <a:cs typeface="+mj-cs"/>
+              </a:defRPr>
+            </a:lvl1pPr>
+          </a:lstStyle>
+          <a:p>
+            <a:pPr algn="l"/>
+            <a:r>
+              <a:rPr lang="de-CH" sz="7200" b="1" dirty="0" smtClean="0">
+                <a:solidFill>
+                  <a:schemeClr val="bg1"/>
+                </a:solidFill>
+              </a:rPr>
+              <a:t>Unsere Implementierung</a:t>
+            </a:r>
+            <a:endParaRPr lang="de-CH" sz="7200" b="1" dirty="0">
+              <a:solidFill>
+                <a:schemeClr val="bg1"/>
+              </a:solidFill>
+            </a:endParaRPr>
+          </a:p>
+        </p:txBody>
+      </p:sp>
       <p:pic>
         <p:nvPicPr>
           <p:cNvPr id="3" name="Grafik 2"/>
@@ -4208,8 +4732,8 @@
         </p:blipFill>
         <p:spPr>
           <a:xfrm>
-            <a:off x="856343" y="117668"/>
-            <a:ext cx="10442242" cy="6715964"/>
+            <a:off x="1310479" y="1478922"/>
+            <a:ext cx="8880580" cy="5157662"/>
           </a:xfrm>
           <a:prstGeom prst="rect">
             <a:avLst/>
@@ -4219,7 +4743,7 @@
     </p:spTree>
     <p:extLst>
       <p:ext uri="{BB962C8B-B14F-4D97-AF65-F5344CB8AC3E}">
-        <p14:creationId xmlns:p14="http://schemas.microsoft.com/office/powerpoint/2010/main" val="2092509293"/>
+        <p14:creationId xmlns:p14="http://schemas.microsoft.com/office/powerpoint/2010/main" val="3291948091"/>
       </p:ext>
     </p:extLst>
   </p:cSld>
@@ -4255,13 +4779,52 @@
       </p:grpSpPr>
       <p:sp>
         <p:nvSpPr>
-          <p:cNvPr id="4" name="Rechteck 3"/>
+          <p:cNvPr id="2" name="Titel 1"/>
+          <p:cNvSpPr>
+            <a:spLocks noGrp="1"/>
+          </p:cNvSpPr>
+          <p:nvPr>
+            <p:ph type="ctrTitle"/>
+          </p:nvPr>
+        </p:nvSpPr>
+        <p:spPr>
+          <a:xfrm>
+            <a:off x="145142" y="117668"/>
+            <a:ext cx="9144000" cy="1245734"/>
+          </a:xfrm>
+        </p:spPr>
+        <p:txBody>
+          <a:bodyPr>
+            <a:normAutofit/>
+          </a:bodyPr>
+          <a:lstStyle/>
+          <a:p>
+            <a:pPr algn="l"/>
+            <a:r>
+              <a:rPr lang="de-CH" sz="7200" b="1" dirty="0" smtClean="0">
+                <a:solidFill>
+                  <a:schemeClr val="bg1"/>
+                </a:solidFill>
+              </a:rPr>
+              <a:t>Architekturdiagramm</a:t>
+            </a:r>
+            <a:endParaRPr lang="de-CH" sz="7200" b="1" dirty="0">
+              <a:solidFill>
+                <a:schemeClr val="bg1"/>
+              </a:solidFill>
+            </a:endParaRPr>
+          </a:p>
+        </p:txBody>
+      </p:sp>
+      <p:sp>
+        <p:nvSpPr>
+          <p:cNvPr id="5" name="Rechteck 4"/>
           <p:cNvSpPr/>
           <p:nvPr/>
         </p:nvSpPr>
         <p:spPr>
           <a:xfrm>
-            <a:off x="0" y="0"/>
+            <a:off x="-15027" y="-2148"/>
             <a:ext cx="12192000" cy="1481070"/>
           </a:xfrm>
           <a:prstGeom prst="rect">
@@ -4301,25 +4864,44 @@
       </p:sp>
       <p:sp>
         <p:nvSpPr>
-          <p:cNvPr id="2" name="Titel 1"/>
-          <p:cNvSpPr>
-            <a:spLocks noGrp="1"/>
-          </p:cNvSpPr>
-          <p:nvPr>
-            <p:ph type="ctrTitle"/>
-          </p:nvPr>
-        </p:nvSpPr>
-        <p:spPr>
-          <a:xfrm>
-            <a:off x="145142" y="117668"/>
-            <a:ext cx="9144000" cy="1245734"/>
-          </a:xfrm>
-        </p:spPr>
-        <p:txBody>
-          <a:bodyPr>
+          <p:cNvPr id="6" name="Titel 1"/>
+          <p:cNvSpPr txBox="1">
+            <a:spLocks/>
+          </p:cNvSpPr>
+          <p:nvPr/>
+        </p:nvSpPr>
+        <p:spPr>
+          <a:xfrm>
+            <a:off x="130114" y="115520"/>
+            <a:ext cx="10430561" cy="1245734"/>
+          </a:xfrm>
+          <a:prstGeom prst="rect">
+            <a:avLst/>
+          </a:prstGeom>
+        </p:spPr>
+        <p:txBody>
+          <a:bodyPr vert="horz" lIns="91440" tIns="45720" rIns="91440" bIns="45720" rtlCol="0" anchor="b">
             <a:normAutofit/>
           </a:bodyPr>
-          <a:lstStyle/>
+          <a:lstStyle>
+            <a:lvl1pPr algn="ctr" defTabSz="914400" rtl="0" eaLnBrk="1" latinLnBrk="0" hangingPunct="1">
+              <a:lnSpc>
+                <a:spcPct val="90000"/>
+              </a:lnSpc>
+              <a:spcBef>
+                <a:spcPct val="0"/>
+              </a:spcBef>
+              <a:buNone/>
+              <a:defRPr sz="6000" kern="1200">
+                <a:solidFill>
+                  <a:schemeClr val="tx1"/>
+                </a:solidFill>
+                <a:latin typeface="+mj-lt"/>
+                <a:ea typeface="+mj-ea"/>
+                <a:cs typeface="+mj-cs"/>
+              </a:defRPr>
+            </a:lvl1pPr>
+          </a:lstStyle>
           <a:p>
             <a:pPr algn="l"/>
             <a:r>
@@ -4328,7 +4910,7 @@
                   <a:schemeClr val="bg1"/>
                 </a:solidFill>
               </a:rPr>
-              <a:t>Datenpersistenz</a:t>
+              <a:t>Unsere Implementierung</a:t>
             </a:r>
             <a:endParaRPr lang="de-CH" sz="7200" b="1" dirty="0">
               <a:solidFill>
@@ -4354,48 +4936,18 @@
         </p:blipFill>
         <p:spPr>
           <a:xfrm>
-            <a:off x="1332835" y="2637555"/>
-            <a:ext cx="9526329" cy="2715004"/>
+            <a:off x="1542707" y="1478922"/>
+            <a:ext cx="8880580" cy="5157662"/>
           </a:xfrm>
           <a:prstGeom prst="rect">
             <a:avLst/>
           </a:prstGeom>
         </p:spPr>
       </p:pic>
-      <p:sp>
-        <p:nvSpPr>
-          <p:cNvPr id="7" name="Textfeld 6"/>
-          <p:cNvSpPr txBox="1"/>
-          <p:nvPr/>
-        </p:nvSpPr>
-        <p:spPr>
-          <a:xfrm>
-            <a:off x="145142" y="6361117"/>
-            <a:ext cx="9124742" cy="369332"/>
-          </a:xfrm>
-          <a:prstGeom prst="rect">
-            <a:avLst/>
-          </a:prstGeom>
-          <a:noFill/>
-        </p:spPr>
-        <p:txBody>
-          <a:bodyPr wrap="none" rtlCol="0">
-            <a:spAutoFit/>
-          </a:bodyPr>
-          <a:lstStyle/>
-          <a:p>
-            <a:r>
-              <a:rPr lang="de-CH" i="1" dirty="0" smtClean="0"/>
-              <a:t>Bildquelle: http://www.mongodb.com/sites/mongodb.com/files/media/mongodb-logo-rgb.jpeg</a:t>
-            </a:r>
-            <a:endParaRPr lang="de-CH" i="1" dirty="0"/>
-          </a:p>
-        </p:txBody>
-      </p:sp>
     </p:spTree>
     <p:extLst>
       <p:ext uri="{BB962C8B-B14F-4D97-AF65-F5344CB8AC3E}">
-        <p14:creationId xmlns:p14="http://schemas.microsoft.com/office/powerpoint/2010/main" val="2703701593"/>
+        <p14:creationId xmlns:p14="http://schemas.microsoft.com/office/powerpoint/2010/main" val="3291948091"/>
       </p:ext>
     </p:extLst>
   </p:cSld>
@@ -4431,52 +4983,6 @@
       </p:grpSpPr>
       <p:sp>
         <p:nvSpPr>
-          <p:cNvPr id="4" name="Rechteck 3"/>
-          <p:cNvSpPr/>
-          <p:nvPr/>
-        </p:nvSpPr>
-        <p:spPr>
-          <a:xfrm>
-            <a:off x="0" y="0"/>
-            <a:ext cx="12192000" cy="1481070"/>
-          </a:xfrm>
-          <a:prstGeom prst="rect">
-            <a:avLst/>
-          </a:prstGeom>
-          <a:solidFill>
-            <a:srgbClr val="D10505"/>
-          </a:solidFill>
-          <a:ln>
-            <a:noFill/>
-          </a:ln>
-        </p:spPr>
-        <p:style>
-          <a:lnRef idx="2">
-            <a:schemeClr val="accent1">
-              <a:shade val="50000"/>
-            </a:schemeClr>
-          </a:lnRef>
-          <a:fillRef idx="1">
-            <a:schemeClr val="accent1"/>
-          </a:fillRef>
-          <a:effectRef idx="0">
-            <a:schemeClr val="accent1"/>
-          </a:effectRef>
-          <a:fontRef idx="minor">
-            <a:schemeClr val="lt1"/>
-          </a:fontRef>
-        </p:style>
-        <p:txBody>
-          <a:bodyPr rtlCol="0" anchor="ctr"/>
-          <a:lstStyle/>
-          <a:p>
-            <a:pPr algn="ctr"/>
-            <a:endParaRPr lang="de-CH"/>
-          </a:p>
-        </p:txBody>
-      </p:sp>
-      <p:sp>
-        <p:nvSpPr>
           <p:cNvPr id="2" name="Titel 1"/>
           <p:cNvSpPr>
             <a:spLocks noGrp="1"/>
@@ -4499,12 +5005,12 @@
           <a:p>
             <a:pPr algn="l"/>
             <a:r>
-              <a:rPr lang="de-CH" sz="7200" b="1" dirty="0" err="1" smtClean="0">
+              <a:rPr lang="de-CH" sz="7200" b="1" dirty="0" smtClean="0">
                 <a:solidFill>
                   <a:schemeClr val="bg1"/>
                 </a:solidFill>
               </a:rPr>
-              <a:t>mongoDB</a:t>
+              <a:t>Architekturdiagramm</a:t>
             </a:r>
             <a:endParaRPr lang="de-CH" sz="7200" b="1" dirty="0">
               <a:solidFill>
@@ -4514,88 +5020,34 @@
           </a:p>
         </p:txBody>
       </p:sp>
-      <p:sp>
-        <p:nvSpPr>
-          <p:cNvPr id="5" name="Textfeld 4"/>
-          <p:cNvSpPr txBox="1"/>
+      <p:pic>
+        <p:nvPicPr>
+          <p:cNvPr id="3" name="Grafik 2"/>
+          <p:cNvPicPr>
+            <a:picLocks noChangeAspect="1"/>
+          </p:cNvPicPr>
           <p:nvPr/>
-        </p:nvSpPr>
-        <p:spPr>
-          <a:xfrm>
-            <a:off x="551542" y="1932567"/>
-            <a:ext cx="3314049" cy="3416320"/>
+        </p:nvPicPr>
+        <p:blipFill>
+          <a:blip r:embed="rId2"/>
+          <a:stretch>
+            <a:fillRect/>
+          </a:stretch>
+        </p:blipFill>
+        <p:spPr>
+          <a:xfrm>
+            <a:off x="856343" y="117668"/>
+            <a:ext cx="10442242" cy="6715964"/>
           </a:xfrm>
           <a:prstGeom prst="rect">
             <a:avLst/>
           </a:prstGeom>
-          <a:noFill/>
-        </p:spPr>
-        <p:txBody>
-          <a:bodyPr wrap="none" rtlCol="0">
-            <a:spAutoFit/>
-          </a:bodyPr>
-          <a:lstStyle/>
-          <a:p>
-            <a:pPr marL="285750" indent="-285750">
-              <a:lnSpc>
-                <a:spcPct val="150000"/>
-              </a:lnSpc>
-              <a:buFont typeface="Arial" panose="020B0604020202020204" pitchFamily="34" charset="0"/>
-              <a:buChar char="•"/>
-            </a:pPr>
-            <a:r>
-              <a:rPr lang="de-CH" sz="3600" dirty="0" err="1" smtClean="0"/>
-              <a:t>OpenSource</a:t>
-            </a:r>
-            <a:endParaRPr lang="de-CH" sz="3600" dirty="0"/>
-          </a:p>
-          <a:p>
-            <a:pPr marL="285750" indent="-285750">
-              <a:lnSpc>
-                <a:spcPct val="150000"/>
-              </a:lnSpc>
-              <a:buFont typeface="Arial" panose="020B0604020202020204" pitchFamily="34" charset="0"/>
-              <a:buChar char="•"/>
-            </a:pPr>
-            <a:r>
-              <a:rPr lang="de-CH" sz="3600" dirty="0" err="1" smtClean="0"/>
-              <a:t>NoSQL</a:t>
-            </a:r>
-            <a:endParaRPr lang="de-CH" sz="3600" dirty="0"/>
-          </a:p>
-          <a:p>
-            <a:pPr marL="285750" indent="-285750">
-              <a:lnSpc>
-                <a:spcPct val="150000"/>
-              </a:lnSpc>
-              <a:buFont typeface="Arial" panose="020B0604020202020204" pitchFamily="34" charset="0"/>
-              <a:buChar char="•"/>
-            </a:pPr>
-            <a:r>
-              <a:rPr lang="de-CH" sz="3600" dirty="0" smtClean="0"/>
-              <a:t>Weit verbreitet</a:t>
-            </a:r>
-          </a:p>
-          <a:p>
-            <a:pPr marL="285750" indent="-285750">
-              <a:lnSpc>
-                <a:spcPct val="150000"/>
-              </a:lnSpc>
-              <a:buFont typeface="Arial" panose="020B0604020202020204" pitchFamily="34" charset="0"/>
-              <a:buChar char="•"/>
-            </a:pPr>
-            <a:r>
-              <a:rPr lang="de-CH" sz="3600" dirty="0" smtClean="0"/>
-              <a:t>JSON</a:t>
-            </a:r>
-            <a:endParaRPr lang="de-CH" sz="3600" dirty="0"/>
-          </a:p>
-        </p:txBody>
-      </p:sp>
+        </p:spPr>
+      </p:pic>
     </p:spTree>
     <p:extLst>
       <p:ext uri="{BB962C8B-B14F-4D97-AF65-F5344CB8AC3E}">
-        <p14:creationId xmlns:p14="http://schemas.microsoft.com/office/powerpoint/2010/main" val="982192119"/>
+        <p14:creationId xmlns:p14="http://schemas.microsoft.com/office/powerpoint/2010/main" val="2092509293"/>
       </p:ext>
     </p:extLst>
   </p:cSld>
@@ -4631,78 +5083,7 @@
       </p:grpSpPr>
       <p:sp>
         <p:nvSpPr>
-          <p:cNvPr id="7" name="Textfeld 6"/>
-          <p:cNvSpPr txBox="1"/>
-          <p:nvPr/>
-        </p:nvSpPr>
-        <p:spPr>
-          <a:xfrm>
-            <a:off x="471621" y="2032001"/>
-            <a:ext cx="237566" cy="369332"/>
-          </a:xfrm>
-          <a:prstGeom prst="rect">
-            <a:avLst/>
-          </a:prstGeom>
-          <a:noFill/>
-        </p:spPr>
-        <p:txBody>
-          <a:bodyPr wrap="none" rtlCol="0">
-            <a:spAutoFit/>
-          </a:bodyPr>
-          <a:lstStyle/>
-          <a:p>
-            <a:r>
-              <a:rPr lang="de-CH" dirty="0" smtClean="0"/>
-              <a:t> </a:t>
-            </a:r>
-            <a:endParaRPr lang="de-CH" dirty="0"/>
-          </a:p>
-        </p:txBody>
-      </p:sp>
-      <p:pic>
-        <p:nvPicPr>
-          <p:cNvPr id="1026" name="Picture 2" descr="C:\Users\James\workspaceLuna\PatientApp\doc\task09\soft-schema2.png"/>
-          <p:cNvPicPr>
-            <a:picLocks noChangeAspect="1" noChangeArrowheads="1"/>
-          </p:cNvPicPr>
-          <p:nvPr/>
-        </p:nvPicPr>
-        <p:blipFill>
-          <a:blip r:embed="rId2">
-            <a:extLst>
-              <a:ext uri="{28A0092B-C50C-407E-A947-70E740481C1C}">
-                <a14:useLocalDpi xmlns:a14="http://schemas.microsoft.com/office/drawing/2010/main" val="0"/>
-              </a:ext>
-            </a:extLst>
-          </a:blip>
-          <a:srcRect/>
-          <a:stretch>
-            <a:fillRect/>
-          </a:stretch>
-        </p:blipFill>
-        <p:spPr bwMode="auto">
-          <a:xfrm>
-            <a:off x="2193853" y="1481070"/>
-            <a:ext cx="7431381" cy="5499912"/>
-          </a:xfrm>
-          <a:prstGeom prst="rect">
-            <a:avLst/>
-          </a:prstGeom>
-          <a:noFill/>
-          <a:extLst>
-            <a:ext uri="{909E8E84-426E-40DD-AFC4-6F175D3DCCD1}">
-              <a14:hiddenFill xmlns:a14="http://schemas.microsoft.com/office/drawing/2010/main">
-                <a:solidFill>
-                  <a:srgbClr val="FFFFFF"/>
-                </a:solidFill>
-              </a14:hiddenFill>
-            </a:ext>
-          </a:extLst>
-        </p:spPr>
-      </p:pic>
-      <p:sp>
-        <p:nvSpPr>
-          <p:cNvPr id="6" name="Rechteck 5"/>
+          <p:cNvPr id="4" name="Rechteck 3"/>
           <p:cNvSpPr/>
           <p:nvPr/>
         </p:nvSpPr>
@@ -4748,7 +5129,7 @@
       </p:sp>
       <p:sp>
         <p:nvSpPr>
-          <p:cNvPr id="8" name="Titel 1"/>
+          <p:cNvPr id="2" name="Titel 1"/>
           <p:cNvSpPr>
             <a:spLocks noGrp="1"/>
           </p:cNvSpPr>
@@ -4769,21 +5150,13 @@
           <a:lstStyle/>
           <a:p>
             <a:pPr algn="l"/>
-            <a:r>
-              <a:rPr lang="de-CH" sz="7200" b="1" dirty="0" err="1" smtClean="0">
-                <a:solidFill>
-                  <a:schemeClr val="bg1"/>
-                </a:solidFill>
-              </a:rPr>
-              <a:t>mongoDB</a:t>
-            </a:r>
             <a:r>
               <a:rPr lang="de-CH" sz="7200" b="1" dirty="0" smtClean="0">
                 <a:solidFill>
                   <a:schemeClr val="bg1"/>
                 </a:solidFill>
               </a:rPr>
-              <a:t> – ein Beispiel</a:t>
+              <a:t>Datenpersistenz</a:t>
             </a:r>
             <a:endParaRPr lang="de-CH" sz="7200" b="1" dirty="0">
               <a:solidFill>
@@ -4793,10 +5166,64 @@
           </a:p>
         </p:txBody>
       </p:sp>
+      <p:pic>
+        <p:nvPicPr>
+          <p:cNvPr id="3" name="Grafik 2"/>
+          <p:cNvPicPr>
+            <a:picLocks noChangeAspect="1"/>
+          </p:cNvPicPr>
+          <p:nvPr/>
+        </p:nvPicPr>
+        <p:blipFill>
+          <a:blip r:embed="rId2"/>
+          <a:stretch>
+            <a:fillRect/>
+          </a:stretch>
+        </p:blipFill>
+        <p:spPr>
+          <a:xfrm>
+            <a:off x="1332835" y="2637555"/>
+            <a:ext cx="9526329" cy="2715004"/>
+          </a:xfrm>
+          <a:prstGeom prst="rect">
+            <a:avLst/>
+          </a:prstGeom>
+        </p:spPr>
+      </p:pic>
+      <p:sp>
+        <p:nvSpPr>
+          <p:cNvPr id="7" name="Textfeld 6"/>
+          <p:cNvSpPr txBox="1"/>
+          <p:nvPr/>
+        </p:nvSpPr>
+        <p:spPr>
+          <a:xfrm>
+            <a:off x="145142" y="6361117"/>
+            <a:ext cx="9124742" cy="369332"/>
+          </a:xfrm>
+          <a:prstGeom prst="rect">
+            <a:avLst/>
+          </a:prstGeom>
+          <a:noFill/>
+        </p:spPr>
+        <p:txBody>
+          <a:bodyPr wrap="none" rtlCol="0">
+            <a:spAutoFit/>
+          </a:bodyPr>
+          <a:lstStyle/>
+          <a:p>
+            <a:r>
+              <a:rPr lang="de-CH" i="1" dirty="0" smtClean="0"/>
+              <a:t>Bildquelle: http://www.mongodb.com/sites/mongodb.com/files/media/mongodb-logo-rgb.jpeg</a:t>
+            </a:r>
+            <a:endParaRPr lang="de-CH" i="1" dirty="0"/>
+          </a:p>
+        </p:txBody>
+      </p:sp>
     </p:spTree>
     <p:extLst>
       <p:ext uri="{BB962C8B-B14F-4D97-AF65-F5344CB8AC3E}">
-        <p14:creationId xmlns:p14="http://schemas.microsoft.com/office/powerpoint/2010/main" val="3738221479"/>
+        <p14:creationId xmlns:p14="http://schemas.microsoft.com/office/powerpoint/2010/main" val="2703701593"/>
       </p:ext>
     </p:extLst>
   </p:cSld>
@@ -5068,7 +5495,7 @@
   <a:extraClrSchemeLst/>
   <a:extLst>
     <a:ext uri="{05A4C25C-085E-4340-85A3-A5531E510DB2}">
-      <thm15:themeFamily xmlns:thm15="http://schemas.microsoft.com/office/thememl/2012/main" name="Office Theme" id="{62F939B6-93AF-4DB8-9C6B-D6C7DFDC589F}" vid="{4A3C46E8-61CC-4603-A589-7422A47A8E4A}"/>
+      <thm15:themeFamily xmlns:thm15="http://schemas.microsoft.com/office/thememl/2012/main" xmlns="" name="Office Theme" id="{62F939B6-93AF-4DB8-9C6B-D6C7DFDC589F}" vid="{4A3C46E8-61CC-4603-A589-7422A47A8E4A}"/>
     </a:ext>
   </a:extLst>
 </a:theme>

--- a/doc/task09/Softwarearchitektur.pptx
+++ b/doc/task09/Softwarearchitektur.pptx
@@ -117,7 +117,7 @@
   </p:defaultTextStyle>
   <p:extLst>
     <p:ext uri="{EFAFB233-063F-42B5-8137-9DF3F51BA10A}">
-      <p15:sldGuideLst xmlns:p15="http://schemas.microsoft.com/office/powerpoint/2012/main" xmlns="">
+      <p15:sldGuideLst xmlns="" xmlns:p15="http://schemas.microsoft.com/office/powerpoint/2012/main">
         <p15:guide id="1" orient="horz" pos="2160">
           <p15:clr>
             <a:srgbClr val="A4A3A4"/>
@@ -4497,7 +4497,7 @@
       </p:sp>
       <p:pic>
         <p:nvPicPr>
-          <p:cNvPr id="2051" name="Picture 3" descr="C:\Users\James\workspaceLuna\PatientApp\doc\task09\packageDiagramm.png"/>
+          <p:cNvPr id="1026" name="Picture 2" descr="C:\Users\James\workspaceLuna\PatientApp\doc\task09\packageDiagramm.png"/>
           <p:cNvPicPr>
             <a:picLocks noChangeAspect="1" noChangeArrowheads="1"/>
           </p:cNvPicPr>
@@ -4518,8 +4518,8 @@
         </p:blipFill>
         <p:spPr bwMode="auto">
           <a:xfrm>
-            <a:off x="1219427" y="1908402"/>
-            <a:ext cx="9811430" cy="4288829"/>
+            <a:off x="1125029" y="1690688"/>
+            <a:ext cx="10376742" cy="4535941"/>
           </a:xfrm>
           <a:prstGeom prst="rect">
             <a:avLst/>
@@ -5495,7 +5495,7 @@
   <a:extraClrSchemeLst/>
   <a:extLst>
     <a:ext uri="{05A4C25C-085E-4340-85A3-A5531E510DB2}">
-      <thm15:themeFamily xmlns:thm15="http://schemas.microsoft.com/office/thememl/2012/main" xmlns="" name="Office Theme" id="{62F939B6-93AF-4DB8-9C6B-D6C7DFDC589F}" vid="{4A3C46E8-61CC-4603-A589-7422A47A8E4A}"/>
+      <thm15:themeFamily xmlns="" xmlns:thm15="http://schemas.microsoft.com/office/thememl/2012/main" name="Office Theme" id="{62F939B6-93AF-4DB8-9C6B-D6C7DFDC589F}" vid="{4A3C46E8-61CC-4603-A589-7422A47A8E4A}"/>
     </a:ext>
   </a:extLst>
 </a:theme>

--- a/doc/task09/Softwarearchitektur.pptx
+++ b/doc/task09/Softwarearchitektur.pptx
@@ -10,13 +10,12 @@
     <p:sldId id="259" r:id="rId4"/>
     <p:sldId id="263" r:id="rId5"/>
     <p:sldId id="265" r:id="rId6"/>
-    <p:sldId id="268" r:id="rId7"/>
-    <p:sldId id="267" r:id="rId8"/>
-    <p:sldId id="260" r:id="rId9"/>
-    <p:sldId id="258" r:id="rId10"/>
-    <p:sldId id="262" r:id="rId11"/>
-    <p:sldId id="264" r:id="rId12"/>
-    <p:sldId id="261" r:id="rId13"/>
+    <p:sldId id="267" r:id="rId7"/>
+    <p:sldId id="260" r:id="rId8"/>
+    <p:sldId id="258" r:id="rId9"/>
+    <p:sldId id="262" r:id="rId10"/>
+    <p:sldId id="264" r:id="rId11"/>
+    <p:sldId id="261" r:id="rId12"/>
   </p:sldIdLst>
   <p:sldSz cx="12192000" cy="6858000"/>
   <p:notesSz cx="6858000" cy="9144000"/>
@@ -117,7 +116,7 @@
   </p:defaultTextStyle>
   <p:extLst>
     <p:ext uri="{EFAFB233-063F-42B5-8137-9DF3F51BA10A}">
-      <p15:sldGuideLst xmlns="" xmlns:p15="http://schemas.microsoft.com/office/powerpoint/2012/main">
+      <p15:sldGuideLst xmlns:p15="http://schemas.microsoft.com/office/powerpoint/2012/main" xmlns="">
         <p15:guide id="1" orient="horz" pos="2160">
           <p15:clr>
             <a:srgbClr val="A4A3A4"/>
@@ -3167,206 +3166,6 @@
       </p:grpSpPr>
       <p:sp>
         <p:nvSpPr>
-          <p:cNvPr id="4" name="Rechteck 3"/>
-          <p:cNvSpPr/>
-          <p:nvPr/>
-        </p:nvSpPr>
-        <p:spPr>
-          <a:xfrm>
-            <a:off x="0" y="0"/>
-            <a:ext cx="12192000" cy="1481070"/>
-          </a:xfrm>
-          <a:prstGeom prst="rect">
-            <a:avLst/>
-          </a:prstGeom>
-          <a:solidFill>
-            <a:srgbClr val="D10505"/>
-          </a:solidFill>
-          <a:ln>
-            <a:noFill/>
-          </a:ln>
-        </p:spPr>
-        <p:style>
-          <a:lnRef idx="2">
-            <a:schemeClr val="accent1">
-              <a:shade val="50000"/>
-            </a:schemeClr>
-          </a:lnRef>
-          <a:fillRef idx="1">
-            <a:schemeClr val="accent1"/>
-          </a:fillRef>
-          <a:effectRef idx="0">
-            <a:schemeClr val="accent1"/>
-          </a:effectRef>
-          <a:fontRef idx="minor">
-            <a:schemeClr val="lt1"/>
-          </a:fontRef>
-        </p:style>
-        <p:txBody>
-          <a:bodyPr rtlCol="0" anchor="ctr"/>
-          <a:lstStyle/>
-          <a:p>
-            <a:pPr algn="ctr"/>
-            <a:endParaRPr lang="de-CH"/>
-          </a:p>
-        </p:txBody>
-      </p:sp>
-      <p:sp>
-        <p:nvSpPr>
-          <p:cNvPr id="2" name="Titel 1"/>
-          <p:cNvSpPr>
-            <a:spLocks noGrp="1"/>
-          </p:cNvSpPr>
-          <p:nvPr>
-            <p:ph type="ctrTitle"/>
-          </p:nvPr>
-        </p:nvSpPr>
-        <p:spPr>
-          <a:xfrm>
-            <a:off x="145142" y="117668"/>
-            <a:ext cx="9144000" cy="1245734"/>
-          </a:xfrm>
-        </p:spPr>
-        <p:txBody>
-          <a:bodyPr>
-            <a:normAutofit/>
-          </a:bodyPr>
-          <a:lstStyle/>
-          <a:p>
-            <a:pPr algn="l"/>
-            <a:r>
-              <a:rPr lang="de-CH" sz="7200" b="1" dirty="0" err="1" smtClean="0">
-                <a:solidFill>
-                  <a:schemeClr val="bg1"/>
-                </a:solidFill>
-              </a:rPr>
-              <a:t>mongoDB</a:t>
-            </a:r>
-            <a:endParaRPr lang="de-CH" sz="7200" b="1" dirty="0">
-              <a:solidFill>
-                <a:schemeClr val="bg1"/>
-              </a:solidFill>
-            </a:endParaRPr>
-          </a:p>
-        </p:txBody>
-      </p:sp>
-      <p:sp>
-        <p:nvSpPr>
-          <p:cNvPr id="5" name="Textfeld 4"/>
-          <p:cNvSpPr txBox="1"/>
-          <p:nvPr/>
-        </p:nvSpPr>
-        <p:spPr>
-          <a:xfrm>
-            <a:off x="551542" y="1932567"/>
-            <a:ext cx="3314049" cy="3416320"/>
-          </a:xfrm>
-          <a:prstGeom prst="rect">
-            <a:avLst/>
-          </a:prstGeom>
-          <a:noFill/>
-        </p:spPr>
-        <p:txBody>
-          <a:bodyPr wrap="none" rtlCol="0">
-            <a:spAutoFit/>
-          </a:bodyPr>
-          <a:lstStyle/>
-          <a:p>
-            <a:pPr marL="285750" indent="-285750">
-              <a:lnSpc>
-                <a:spcPct val="150000"/>
-              </a:lnSpc>
-              <a:buFont typeface="Arial" panose="020B0604020202020204" pitchFamily="34" charset="0"/>
-              <a:buChar char="•"/>
-            </a:pPr>
-            <a:r>
-              <a:rPr lang="de-CH" sz="3600" dirty="0" err="1" smtClean="0"/>
-              <a:t>OpenSource</a:t>
-            </a:r>
-            <a:endParaRPr lang="de-CH" sz="3600" dirty="0"/>
-          </a:p>
-          <a:p>
-            <a:pPr marL="285750" indent="-285750">
-              <a:lnSpc>
-                <a:spcPct val="150000"/>
-              </a:lnSpc>
-              <a:buFont typeface="Arial" panose="020B0604020202020204" pitchFamily="34" charset="0"/>
-              <a:buChar char="•"/>
-            </a:pPr>
-            <a:r>
-              <a:rPr lang="de-CH" sz="3600" dirty="0" err="1" smtClean="0"/>
-              <a:t>NoSQL</a:t>
-            </a:r>
-            <a:endParaRPr lang="de-CH" sz="3600" dirty="0"/>
-          </a:p>
-          <a:p>
-            <a:pPr marL="285750" indent="-285750">
-              <a:lnSpc>
-                <a:spcPct val="150000"/>
-              </a:lnSpc>
-              <a:buFont typeface="Arial" panose="020B0604020202020204" pitchFamily="34" charset="0"/>
-              <a:buChar char="•"/>
-            </a:pPr>
-            <a:r>
-              <a:rPr lang="de-CH" sz="3600" dirty="0" smtClean="0"/>
-              <a:t>Weit verbreitet</a:t>
-            </a:r>
-          </a:p>
-          <a:p>
-            <a:pPr marL="285750" indent="-285750">
-              <a:lnSpc>
-                <a:spcPct val="150000"/>
-              </a:lnSpc>
-              <a:buFont typeface="Arial" panose="020B0604020202020204" pitchFamily="34" charset="0"/>
-              <a:buChar char="•"/>
-            </a:pPr>
-            <a:r>
-              <a:rPr lang="de-CH" sz="3600" dirty="0" smtClean="0"/>
-              <a:t>JSON</a:t>
-            </a:r>
-            <a:endParaRPr lang="de-CH" sz="3600" dirty="0"/>
-          </a:p>
-        </p:txBody>
-      </p:sp>
-    </p:spTree>
-    <p:extLst>
-      <p:ext uri="{BB962C8B-B14F-4D97-AF65-F5344CB8AC3E}">
-        <p14:creationId xmlns:p14="http://schemas.microsoft.com/office/powerpoint/2010/main" val="982192119"/>
-      </p:ext>
-    </p:extLst>
-  </p:cSld>
-  <p:clrMapOvr>
-    <a:masterClrMapping/>
-  </p:clrMapOvr>
-  <p:timing>
-    <p:tnLst>
-      <p:par>
-        <p:cTn id="1" dur="indefinite" restart="never" nodeType="tmRoot"/>
-      </p:par>
-    </p:tnLst>
-  </p:timing>
-</p:sld>
-</file>
-
-<file path=ppt/slides/slide11.xml><?xml version="1.0" encoding="utf-8"?>
-<p:sld xmlns:a="http://schemas.openxmlformats.org/drawingml/2006/main" xmlns:r="http://schemas.openxmlformats.org/officeDocument/2006/relationships" xmlns:p="http://schemas.openxmlformats.org/presentationml/2006/main">
-  <p:cSld>
-    <p:spTree>
-      <p:nvGrpSpPr>
-        <p:cNvPr id="1" name=""/>
-        <p:cNvGrpSpPr/>
-        <p:nvPr/>
-      </p:nvGrpSpPr>
-      <p:grpSpPr>
-        <a:xfrm>
-          <a:off x="0" y="0"/>
-          <a:ext cx="0" cy="0"/>
-          <a:chOff x="0" y="0"/>
-          <a:chExt cx="0" cy="0"/>
-        </a:xfrm>
-      </p:grpSpPr>
-      <p:sp>
-        <p:nvSpPr>
           <p:cNvPr id="7" name="Textfeld 6"/>
           <p:cNvSpPr txBox="1"/>
           <p:nvPr/>
@@ -3549,7 +3348,7 @@
 </p:sld>
 </file>
 
-<file path=ppt/slides/slide12.xml><?xml version="1.0" encoding="utf-8"?>
+<file path=ppt/slides/slide11.xml><?xml version="1.0" encoding="utf-8"?>
 <p:sld xmlns:a="http://schemas.openxmlformats.org/drawingml/2006/main" xmlns:r="http://schemas.openxmlformats.org/officeDocument/2006/relationships" xmlns:p="http://schemas.openxmlformats.org/presentationml/2006/main">
   <p:cSld>
     <p:spTree>
@@ -4732,7 +4531,7 @@
         </p:blipFill>
         <p:spPr>
           <a:xfrm>
-            <a:off x="1310479" y="1478922"/>
+            <a:off x="1542707" y="1478922"/>
             <a:ext cx="8880580" cy="5157662"/>
           </a:xfrm>
           <a:prstGeom prst="rect">
@@ -4816,110 +4615,6 @@
           </a:p>
         </p:txBody>
       </p:sp>
-      <p:sp>
-        <p:nvSpPr>
-          <p:cNvPr id="5" name="Rechteck 4"/>
-          <p:cNvSpPr/>
-          <p:nvPr/>
-        </p:nvSpPr>
-        <p:spPr>
-          <a:xfrm>
-            <a:off x="-15027" y="-2148"/>
-            <a:ext cx="12192000" cy="1481070"/>
-          </a:xfrm>
-          <a:prstGeom prst="rect">
-            <a:avLst/>
-          </a:prstGeom>
-          <a:solidFill>
-            <a:srgbClr val="D10505"/>
-          </a:solidFill>
-          <a:ln>
-            <a:noFill/>
-          </a:ln>
-        </p:spPr>
-        <p:style>
-          <a:lnRef idx="2">
-            <a:schemeClr val="accent1">
-              <a:shade val="50000"/>
-            </a:schemeClr>
-          </a:lnRef>
-          <a:fillRef idx="1">
-            <a:schemeClr val="accent1"/>
-          </a:fillRef>
-          <a:effectRef idx="0">
-            <a:schemeClr val="accent1"/>
-          </a:effectRef>
-          <a:fontRef idx="minor">
-            <a:schemeClr val="lt1"/>
-          </a:fontRef>
-        </p:style>
-        <p:txBody>
-          <a:bodyPr rtlCol="0" anchor="ctr"/>
-          <a:lstStyle/>
-          <a:p>
-            <a:pPr algn="ctr"/>
-            <a:endParaRPr lang="de-CH"/>
-          </a:p>
-        </p:txBody>
-      </p:sp>
-      <p:sp>
-        <p:nvSpPr>
-          <p:cNvPr id="6" name="Titel 1"/>
-          <p:cNvSpPr txBox="1">
-            <a:spLocks/>
-          </p:cNvSpPr>
-          <p:nvPr/>
-        </p:nvSpPr>
-        <p:spPr>
-          <a:xfrm>
-            <a:off x="130114" y="115520"/>
-            <a:ext cx="10430561" cy="1245734"/>
-          </a:xfrm>
-          <a:prstGeom prst="rect">
-            <a:avLst/>
-          </a:prstGeom>
-        </p:spPr>
-        <p:txBody>
-          <a:bodyPr vert="horz" lIns="91440" tIns="45720" rIns="91440" bIns="45720" rtlCol="0" anchor="b">
-            <a:normAutofit/>
-          </a:bodyPr>
-          <a:lstStyle>
-            <a:lvl1pPr algn="ctr" defTabSz="914400" rtl="0" eaLnBrk="1" latinLnBrk="0" hangingPunct="1">
-              <a:lnSpc>
-                <a:spcPct val="90000"/>
-              </a:lnSpc>
-              <a:spcBef>
-                <a:spcPct val="0"/>
-              </a:spcBef>
-              <a:buNone/>
-              <a:defRPr sz="6000" kern="1200">
-                <a:solidFill>
-                  <a:schemeClr val="tx1"/>
-                </a:solidFill>
-                <a:latin typeface="+mj-lt"/>
-                <a:ea typeface="+mj-ea"/>
-                <a:cs typeface="+mj-cs"/>
-              </a:defRPr>
-            </a:lvl1pPr>
-          </a:lstStyle>
-          <a:p>
-            <a:pPr algn="l"/>
-            <a:r>
-              <a:rPr lang="de-CH" sz="7200" b="1" dirty="0" smtClean="0">
-                <a:solidFill>
-                  <a:schemeClr val="bg1"/>
-                </a:solidFill>
-              </a:rPr>
-              <a:t>Unsere Implementierung</a:t>
-            </a:r>
-            <a:endParaRPr lang="de-CH" sz="7200" b="1" dirty="0">
-              <a:solidFill>
-                <a:schemeClr val="bg1"/>
-              </a:solidFill>
-            </a:endParaRPr>
-          </a:p>
-        </p:txBody>
-      </p:sp>
       <p:pic>
         <p:nvPicPr>
           <p:cNvPr id="3" name="Grafik 2"/>
@@ -4936,8 +4631,8 @@
         </p:blipFill>
         <p:spPr>
           <a:xfrm>
-            <a:off x="1542707" y="1478922"/>
-            <a:ext cx="8880580" cy="5157662"/>
+            <a:off x="856343" y="117668"/>
+            <a:ext cx="10442242" cy="6715964"/>
           </a:xfrm>
           <a:prstGeom prst="rect">
             <a:avLst/>
@@ -4947,7 +4642,7 @@
     </p:spTree>
     <p:extLst>
       <p:ext uri="{BB962C8B-B14F-4D97-AF65-F5344CB8AC3E}">
-        <p14:creationId xmlns:p14="http://schemas.microsoft.com/office/powerpoint/2010/main" val="3291948091"/>
+        <p14:creationId xmlns:p14="http://schemas.microsoft.com/office/powerpoint/2010/main" val="2092509293"/>
       </p:ext>
     </p:extLst>
   </p:cSld>
@@ -4983,6 +4678,52 @@
       </p:grpSpPr>
       <p:sp>
         <p:nvSpPr>
+          <p:cNvPr id="4" name="Rechteck 3"/>
+          <p:cNvSpPr/>
+          <p:nvPr/>
+        </p:nvSpPr>
+        <p:spPr>
+          <a:xfrm>
+            <a:off x="0" y="0"/>
+            <a:ext cx="12192000" cy="1481070"/>
+          </a:xfrm>
+          <a:prstGeom prst="rect">
+            <a:avLst/>
+          </a:prstGeom>
+          <a:solidFill>
+            <a:srgbClr val="D10505"/>
+          </a:solidFill>
+          <a:ln>
+            <a:noFill/>
+          </a:ln>
+        </p:spPr>
+        <p:style>
+          <a:lnRef idx="2">
+            <a:schemeClr val="accent1">
+              <a:shade val="50000"/>
+            </a:schemeClr>
+          </a:lnRef>
+          <a:fillRef idx="1">
+            <a:schemeClr val="accent1"/>
+          </a:fillRef>
+          <a:effectRef idx="0">
+            <a:schemeClr val="accent1"/>
+          </a:effectRef>
+          <a:fontRef idx="minor">
+            <a:schemeClr val="lt1"/>
+          </a:fontRef>
+        </p:style>
+        <p:txBody>
+          <a:bodyPr rtlCol="0" anchor="ctr"/>
+          <a:lstStyle/>
+          <a:p>
+            <a:pPr algn="ctr"/>
+            <a:endParaRPr lang="de-CH"/>
+          </a:p>
+        </p:txBody>
+      </p:sp>
+      <p:sp>
+        <p:nvSpPr>
           <p:cNvPr id="2" name="Titel 1"/>
           <p:cNvSpPr>
             <a:spLocks noGrp="1"/>
@@ -5010,7 +4751,7 @@
                   <a:schemeClr val="bg1"/>
                 </a:solidFill>
               </a:rPr>
-              <a:t>Architekturdiagramm</a:t>
+              <a:t>Datenpersistenz</a:t>
             </a:r>
             <a:endParaRPr lang="de-CH" sz="7200" b="1" dirty="0">
               <a:solidFill>
@@ -5036,18 +4777,48 @@
         </p:blipFill>
         <p:spPr>
           <a:xfrm>
-            <a:off x="856343" y="117668"/>
-            <a:ext cx="10442242" cy="6715964"/>
+            <a:off x="1332835" y="2637555"/>
+            <a:ext cx="9526329" cy="2715004"/>
           </a:xfrm>
           <a:prstGeom prst="rect">
             <a:avLst/>
           </a:prstGeom>
         </p:spPr>
       </p:pic>
+      <p:sp>
+        <p:nvSpPr>
+          <p:cNvPr id="7" name="Textfeld 6"/>
+          <p:cNvSpPr txBox="1"/>
+          <p:nvPr/>
+        </p:nvSpPr>
+        <p:spPr>
+          <a:xfrm>
+            <a:off x="145142" y="6361117"/>
+            <a:ext cx="9124742" cy="369332"/>
+          </a:xfrm>
+          <a:prstGeom prst="rect">
+            <a:avLst/>
+          </a:prstGeom>
+          <a:noFill/>
+        </p:spPr>
+        <p:txBody>
+          <a:bodyPr wrap="none" rtlCol="0">
+            <a:spAutoFit/>
+          </a:bodyPr>
+          <a:lstStyle/>
+          <a:p>
+            <a:r>
+              <a:rPr lang="de-CH" i="1" dirty="0" smtClean="0"/>
+              <a:t>Bildquelle: http://www.mongodb.com/sites/mongodb.com/files/media/mongodb-logo-rgb.jpeg</a:t>
+            </a:r>
+            <a:endParaRPr lang="de-CH" i="1" dirty="0"/>
+          </a:p>
+        </p:txBody>
+      </p:sp>
     </p:spTree>
     <p:extLst>
       <p:ext uri="{BB962C8B-B14F-4D97-AF65-F5344CB8AC3E}">
-        <p14:creationId xmlns:p14="http://schemas.microsoft.com/office/powerpoint/2010/main" val="2092509293"/>
+        <p14:creationId xmlns:p14="http://schemas.microsoft.com/office/powerpoint/2010/main" val="2703701593"/>
       </p:ext>
     </p:extLst>
   </p:cSld>
@@ -5151,12 +4922,12 @@
           <a:p>
             <a:pPr algn="l"/>
             <a:r>
-              <a:rPr lang="de-CH" sz="7200" b="1" dirty="0" smtClean="0">
+              <a:rPr lang="de-CH" sz="7200" b="1" dirty="0" err="1" smtClean="0">
                 <a:solidFill>
                   <a:schemeClr val="bg1"/>
                 </a:solidFill>
               </a:rPr>
-              <a:t>Datenpersistenz</a:t>
+              <a:t>mongoDB</a:t>
             </a:r>
             <a:endParaRPr lang="de-CH" sz="7200" b="1" dirty="0">
               <a:solidFill>
@@ -5166,40 +4937,16 @@
           </a:p>
         </p:txBody>
       </p:sp>
-      <p:pic>
-        <p:nvPicPr>
-          <p:cNvPr id="3" name="Grafik 2"/>
-          <p:cNvPicPr>
-            <a:picLocks noChangeAspect="1"/>
-          </p:cNvPicPr>
-          <p:nvPr/>
-        </p:nvPicPr>
-        <p:blipFill>
-          <a:blip r:embed="rId2"/>
-          <a:stretch>
-            <a:fillRect/>
-          </a:stretch>
-        </p:blipFill>
-        <p:spPr>
-          <a:xfrm>
-            <a:off x="1332835" y="2637555"/>
-            <a:ext cx="9526329" cy="2715004"/>
-          </a:xfrm>
-          <a:prstGeom prst="rect">
-            <a:avLst/>
-          </a:prstGeom>
-        </p:spPr>
-      </p:pic>
-      <p:sp>
-        <p:nvSpPr>
-          <p:cNvPr id="7" name="Textfeld 6"/>
+      <p:sp>
+        <p:nvSpPr>
+          <p:cNvPr id="5" name="Textfeld 4"/>
           <p:cNvSpPr txBox="1"/>
           <p:nvPr/>
         </p:nvSpPr>
         <p:spPr>
           <a:xfrm>
-            <a:off x="145142" y="6361117"/>
-            <a:ext cx="9124742" cy="369332"/>
+            <a:off x="551542" y="1932567"/>
+            <a:ext cx="3314049" cy="3416320"/>
           </a:xfrm>
           <a:prstGeom prst="rect">
             <a:avLst/>
@@ -5212,18 +4959,66 @@
           </a:bodyPr>
           <a:lstStyle/>
           <a:p>
-            <a:r>
-              <a:rPr lang="de-CH" i="1" dirty="0" smtClean="0"/>
-              <a:t>Bildquelle: http://www.mongodb.com/sites/mongodb.com/files/media/mongodb-logo-rgb.jpeg</a:t>
-            </a:r>
-            <a:endParaRPr lang="de-CH" i="1" dirty="0"/>
+            <a:pPr marL="285750" indent="-285750">
+              <a:lnSpc>
+                <a:spcPct val="150000"/>
+              </a:lnSpc>
+              <a:buFont typeface="Arial" panose="020B0604020202020204" pitchFamily="34" charset="0"/>
+              <a:buChar char="•"/>
+            </a:pPr>
+            <a:r>
+              <a:rPr lang="de-CH" sz="3600" dirty="0" err="1" smtClean="0"/>
+              <a:t>OpenSource</a:t>
+            </a:r>
+            <a:endParaRPr lang="de-CH" sz="3600" dirty="0"/>
+          </a:p>
+          <a:p>
+            <a:pPr marL="285750" indent="-285750">
+              <a:lnSpc>
+                <a:spcPct val="150000"/>
+              </a:lnSpc>
+              <a:buFont typeface="Arial" panose="020B0604020202020204" pitchFamily="34" charset="0"/>
+              <a:buChar char="•"/>
+            </a:pPr>
+            <a:r>
+              <a:rPr lang="de-CH" sz="3600" dirty="0" err="1" smtClean="0"/>
+              <a:t>NoSQL</a:t>
+            </a:r>
+            <a:endParaRPr lang="de-CH" sz="3600" dirty="0"/>
+          </a:p>
+          <a:p>
+            <a:pPr marL="285750" indent="-285750">
+              <a:lnSpc>
+                <a:spcPct val="150000"/>
+              </a:lnSpc>
+              <a:buFont typeface="Arial" panose="020B0604020202020204" pitchFamily="34" charset="0"/>
+              <a:buChar char="•"/>
+            </a:pPr>
+            <a:r>
+              <a:rPr lang="de-CH" sz="3600" dirty="0" smtClean="0"/>
+              <a:t>Weit verbreitet</a:t>
+            </a:r>
+          </a:p>
+          <a:p>
+            <a:pPr marL="285750" indent="-285750">
+              <a:lnSpc>
+                <a:spcPct val="150000"/>
+              </a:lnSpc>
+              <a:buFont typeface="Arial" panose="020B0604020202020204" pitchFamily="34" charset="0"/>
+              <a:buChar char="•"/>
+            </a:pPr>
+            <a:r>
+              <a:rPr lang="de-CH" sz="3600" dirty="0" smtClean="0"/>
+              <a:t>JSON</a:t>
+            </a:r>
+            <a:endParaRPr lang="de-CH" sz="3600" dirty="0"/>
           </a:p>
         </p:txBody>
       </p:sp>
     </p:spTree>
     <p:extLst>
       <p:ext uri="{BB962C8B-B14F-4D97-AF65-F5344CB8AC3E}">
-        <p14:creationId xmlns:p14="http://schemas.microsoft.com/office/powerpoint/2010/main" val="2703701593"/>
+        <p14:creationId xmlns:p14="http://schemas.microsoft.com/office/powerpoint/2010/main" val="982192119"/>
       </p:ext>
     </p:extLst>
   </p:cSld>
@@ -5495,7 +5290,7 @@
   <a:extraClrSchemeLst/>
   <a:extLst>
     <a:ext uri="{05A4C25C-085E-4340-85A3-A5531E510DB2}">
-      <thm15:themeFamily xmlns="" xmlns:thm15="http://schemas.microsoft.com/office/thememl/2012/main" name="Office Theme" id="{62F939B6-93AF-4DB8-9C6B-D6C7DFDC589F}" vid="{4A3C46E8-61CC-4603-A589-7422A47A8E4A}"/>
+      <thm15:themeFamily xmlns:thm15="http://schemas.microsoft.com/office/thememl/2012/main" xmlns="" name="Office Theme" id="{62F939B6-93AF-4DB8-9C6B-D6C7DFDC589F}" vid="{4A3C46E8-61CC-4603-A589-7422A47A8E4A}"/>
     </a:ext>
   </a:extLst>
 </a:theme>

--- a/doc/task09/Softwarearchitektur.pptx
+++ b/doc/task09/Softwarearchitektur.pptx
@@ -116,7 +116,7 @@
   </p:defaultTextStyle>
   <p:extLst>
     <p:ext uri="{EFAFB233-063F-42B5-8137-9DF3F51BA10A}">
-      <p15:sldGuideLst xmlns:p15="http://schemas.microsoft.com/office/powerpoint/2012/main" xmlns="">
+      <p15:sldGuideLst xmlns:p15="http://schemas.microsoft.com/office/powerpoint/2012/main">
         <p15:guide id="1" orient="horz" pos="2160">
           <p15:clr>
             <a:srgbClr val="A4A3A4"/>
@@ -4617,7 +4617,7 @@
       </p:sp>
       <p:pic>
         <p:nvPicPr>
-          <p:cNvPr id="3" name="Grafik 2"/>
+          <p:cNvPr id="4" name="Grafik 3"/>
           <p:cNvPicPr>
             <a:picLocks noChangeAspect="1"/>
           </p:cNvPicPr>
@@ -4631,8 +4631,8 @@
         </p:blipFill>
         <p:spPr>
           <a:xfrm>
-            <a:off x="856343" y="117668"/>
-            <a:ext cx="10442242" cy="6715964"/>
+            <a:off x="709684" y="106090"/>
+            <a:ext cx="10498132" cy="6751910"/>
           </a:xfrm>
           <a:prstGeom prst="rect">
             <a:avLst/>
@@ -5290,7 +5290,7 @@
   <a:extraClrSchemeLst/>
   <a:extLst>
     <a:ext uri="{05A4C25C-085E-4340-85A3-A5531E510DB2}">
-      <thm15:themeFamily xmlns:thm15="http://schemas.microsoft.com/office/thememl/2012/main" xmlns="" name="Office Theme" id="{62F939B6-93AF-4DB8-9C6B-D6C7DFDC589F}" vid="{4A3C46E8-61CC-4603-A589-7422A47A8E4A}"/>
+      <thm15:themeFamily xmlns:thm15="http://schemas.microsoft.com/office/thememl/2012/main" name="Office Theme" id="{62F939B6-93AF-4DB8-9C6B-D6C7DFDC589F}" vid="{4A3C46E8-61CC-4603-A589-7422A47A8E4A}"/>
     </a:ext>
   </a:extLst>
 </a:theme>
